--- a/02 - Number Systems.pptx
+++ b/02 - Number Systems.pptx
@@ -292,888 +292,6 @@
 
 <file path=ppt/changesInfos/changesInfo1.xml><?xml version="1.0" encoding="utf-8"?>
 <pc:chgInfo xmlns:a="http://schemas.openxmlformats.org/drawingml/2006/main" xmlns:r="http://schemas.openxmlformats.org/officeDocument/2006/relationships" xmlns:ac="http://schemas.microsoft.com/office/drawing/2013/main/command" xmlns:pc="http://schemas.microsoft.com/office/powerpoint/2013/main/command">
-  <pc:docChgLst>
-    <pc:chgData name="Riccardo Berta" userId="c8694f89-bba4-4576-b0a8-456619ca5a8c" providerId="ADAL" clId="{35C5D11B-424E-5B41-A9C4-509DD0A59BFD}"/>
-    <pc:docChg chg="custSel delSld modSld sldOrd">
-      <pc:chgData name="Riccardo Berta" userId="c8694f89-bba4-4576-b0a8-456619ca5a8c" providerId="ADAL" clId="{35C5D11B-424E-5B41-A9C4-509DD0A59BFD}" dt="2022-04-01T12:12:56.906" v="135" actId="20577"/>
-      <pc:docMkLst>
-        <pc:docMk/>
-      </pc:docMkLst>
-      <pc:sldChg chg="modSp">
-        <pc:chgData name="Riccardo Berta" userId="c8694f89-bba4-4576-b0a8-456619ca5a8c" providerId="ADAL" clId="{35C5D11B-424E-5B41-A9C4-509DD0A59BFD}" dt="2022-03-22T07:34:03.014" v="5"/>
-        <pc:sldMkLst>
-          <pc:docMk/>
-          <pc:sldMk cId="0" sldId="257"/>
-        </pc:sldMkLst>
-        <pc:picChg chg="mod">
-          <ac:chgData name="Riccardo Berta" userId="c8694f89-bba4-4576-b0a8-456619ca5a8c" providerId="ADAL" clId="{35C5D11B-424E-5B41-A9C4-509DD0A59BFD}" dt="2022-03-22T07:34:03.014" v="5"/>
-          <ac:picMkLst>
-            <pc:docMk/>
-            <pc:sldMk cId="0" sldId="257"/>
-            <ac:picMk id="85" creationId="{00000000-0000-0000-0000-000000000000}"/>
-          </ac:picMkLst>
-        </pc:picChg>
-      </pc:sldChg>
-      <pc:sldChg chg="modSp">
-        <pc:chgData name="Riccardo Berta" userId="c8694f89-bba4-4576-b0a8-456619ca5a8c" providerId="ADAL" clId="{35C5D11B-424E-5B41-A9C4-509DD0A59BFD}" dt="2022-03-22T07:34:23.187" v="6"/>
-        <pc:sldMkLst>
-          <pc:docMk/>
-          <pc:sldMk cId="1899110855" sldId="258"/>
-        </pc:sldMkLst>
-        <pc:picChg chg="mod">
-          <ac:chgData name="Riccardo Berta" userId="c8694f89-bba4-4576-b0a8-456619ca5a8c" providerId="ADAL" clId="{35C5D11B-424E-5B41-A9C4-509DD0A59BFD}" dt="2022-03-22T07:34:23.187" v="6"/>
-          <ac:picMkLst>
-            <pc:docMk/>
-            <pc:sldMk cId="1899110855" sldId="258"/>
-            <ac:picMk id="92" creationId="{00000000-0000-0000-0000-000000000000}"/>
-          </ac:picMkLst>
-        </pc:picChg>
-      </pc:sldChg>
-      <pc:sldChg chg="modSp">
-        <pc:chgData name="Riccardo Berta" userId="c8694f89-bba4-4576-b0a8-456619ca5a8c" providerId="ADAL" clId="{35C5D11B-424E-5B41-A9C4-509DD0A59BFD}" dt="2022-03-22T07:39:20.191" v="16"/>
-        <pc:sldMkLst>
-          <pc:docMk/>
-          <pc:sldMk cId="3018556184" sldId="259"/>
-        </pc:sldMkLst>
-        <pc:picChg chg="mod">
-          <ac:chgData name="Riccardo Berta" userId="c8694f89-bba4-4576-b0a8-456619ca5a8c" providerId="ADAL" clId="{35C5D11B-424E-5B41-A9C4-509DD0A59BFD}" dt="2022-03-22T07:38:22.524" v="12"/>
-          <ac:picMkLst>
-            <pc:docMk/>
-            <pc:sldMk cId="3018556184" sldId="259"/>
-            <ac:picMk id="99" creationId="{00000000-0000-0000-0000-000000000000}"/>
-          </ac:picMkLst>
-        </pc:picChg>
-        <pc:picChg chg="mod">
-          <ac:chgData name="Riccardo Berta" userId="c8694f89-bba4-4576-b0a8-456619ca5a8c" providerId="ADAL" clId="{35C5D11B-424E-5B41-A9C4-509DD0A59BFD}" dt="2022-03-22T07:38:34.539" v="13"/>
-          <ac:picMkLst>
-            <pc:docMk/>
-            <pc:sldMk cId="3018556184" sldId="259"/>
-            <ac:picMk id="100" creationId="{00000000-0000-0000-0000-000000000000}"/>
-          </ac:picMkLst>
-        </pc:picChg>
-        <pc:picChg chg="mod">
-          <ac:chgData name="Riccardo Berta" userId="c8694f89-bba4-4576-b0a8-456619ca5a8c" providerId="ADAL" clId="{35C5D11B-424E-5B41-A9C4-509DD0A59BFD}" dt="2022-03-22T07:38:47.480" v="14"/>
-          <ac:picMkLst>
-            <pc:docMk/>
-            <pc:sldMk cId="3018556184" sldId="259"/>
-            <ac:picMk id="101" creationId="{00000000-0000-0000-0000-000000000000}"/>
-          </ac:picMkLst>
-        </pc:picChg>
-        <pc:picChg chg="mod">
-          <ac:chgData name="Riccardo Berta" userId="c8694f89-bba4-4576-b0a8-456619ca5a8c" providerId="ADAL" clId="{35C5D11B-424E-5B41-A9C4-509DD0A59BFD}" dt="2022-03-22T07:38:59.538" v="15"/>
-          <ac:picMkLst>
-            <pc:docMk/>
-            <pc:sldMk cId="3018556184" sldId="259"/>
-            <ac:picMk id="102" creationId="{00000000-0000-0000-0000-000000000000}"/>
-          </ac:picMkLst>
-        </pc:picChg>
-        <pc:picChg chg="mod">
-          <ac:chgData name="Riccardo Berta" userId="c8694f89-bba4-4576-b0a8-456619ca5a8c" providerId="ADAL" clId="{35C5D11B-424E-5B41-A9C4-509DD0A59BFD}" dt="2022-03-22T07:39:20.191" v="16"/>
-          <ac:picMkLst>
-            <pc:docMk/>
-            <pc:sldMk cId="3018556184" sldId="259"/>
-            <ac:picMk id="103" creationId="{00000000-0000-0000-0000-000000000000}"/>
-          </ac:picMkLst>
-        </pc:picChg>
-      </pc:sldChg>
-      <pc:sldChg chg="modSp mod">
-        <pc:chgData name="Riccardo Berta" userId="c8694f89-bba4-4576-b0a8-456619ca5a8c" providerId="ADAL" clId="{35C5D11B-424E-5B41-A9C4-509DD0A59BFD}" dt="2022-03-23T07:58:19.601" v="41" actId="20577"/>
-        <pc:sldMkLst>
-          <pc:docMk/>
-          <pc:sldMk cId="1104208334" sldId="260"/>
-        </pc:sldMkLst>
-        <pc:spChg chg="mod">
-          <ac:chgData name="Riccardo Berta" userId="c8694f89-bba4-4576-b0a8-456619ca5a8c" providerId="ADAL" clId="{35C5D11B-424E-5B41-A9C4-509DD0A59BFD}" dt="2022-03-23T07:58:19.601" v="41" actId="20577"/>
-          <ac:spMkLst>
-            <pc:docMk/>
-            <pc:sldMk cId="1104208334" sldId="260"/>
-            <ac:spMk id="109" creationId="{00000000-0000-0000-0000-000000000000}"/>
-          </ac:spMkLst>
-        </pc:spChg>
-        <pc:picChg chg="mod">
-          <ac:chgData name="Riccardo Berta" userId="c8694f89-bba4-4576-b0a8-456619ca5a8c" providerId="ADAL" clId="{35C5D11B-424E-5B41-A9C4-509DD0A59BFD}" dt="2022-03-22T07:40:02.780" v="18"/>
-          <ac:picMkLst>
-            <pc:docMk/>
-            <pc:sldMk cId="1104208334" sldId="260"/>
-            <ac:picMk id="110" creationId="{00000000-0000-0000-0000-000000000000}"/>
-          </ac:picMkLst>
-        </pc:picChg>
-        <pc:picChg chg="mod">
-          <ac:chgData name="Riccardo Berta" userId="c8694f89-bba4-4576-b0a8-456619ca5a8c" providerId="ADAL" clId="{35C5D11B-424E-5B41-A9C4-509DD0A59BFD}" dt="2022-03-22T07:39:46.143" v="17"/>
-          <ac:picMkLst>
-            <pc:docMk/>
-            <pc:sldMk cId="1104208334" sldId="260"/>
-            <ac:picMk id="111" creationId="{00000000-0000-0000-0000-000000000000}"/>
-          </ac:picMkLst>
-        </pc:picChg>
-      </pc:sldChg>
-      <pc:sldChg chg="modSp">
-        <pc:chgData name="Riccardo Berta" userId="c8694f89-bba4-4576-b0a8-456619ca5a8c" providerId="ADAL" clId="{35C5D11B-424E-5B41-A9C4-509DD0A59BFD}" dt="2022-03-22T07:42:45.729" v="19"/>
-        <pc:sldMkLst>
-          <pc:docMk/>
-          <pc:sldMk cId="1290395919" sldId="261"/>
-        </pc:sldMkLst>
-        <pc:picChg chg="mod">
-          <ac:chgData name="Riccardo Berta" userId="c8694f89-bba4-4576-b0a8-456619ca5a8c" providerId="ADAL" clId="{35C5D11B-424E-5B41-A9C4-509DD0A59BFD}" dt="2022-03-22T07:42:45.729" v="19"/>
-          <ac:picMkLst>
-            <pc:docMk/>
-            <pc:sldMk cId="1290395919" sldId="261"/>
-            <ac:picMk id="119" creationId="{00000000-0000-0000-0000-000000000000}"/>
-          </ac:picMkLst>
-        </pc:picChg>
-      </pc:sldChg>
-      <pc:sldChg chg="modSp mod modNotes">
-        <pc:chgData name="Riccardo Berta" userId="c8694f89-bba4-4576-b0a8-456619ca5a8c" providerId="ADAL" clId="{35C5D11B-424E-5B41-A9C4-509DD0A59BFD}" dt="2022-03-25T14:38:53.205" v="88" actId="20577"/>
-        <pc:sldMkLst>
-          <pc:docMk/>
-          <pc:sldMk cId="4130549615" sldId="262"/>
-        </pc:sldMkLst>
-        <pc:spChg chg="mod">
-          <ac:chgData name="Riccardo Berta" userId="c8694f89-bba4-4576-b0a8-456619ca5a8c" providerId="ADAL" clId="{35C5D11B-424E-5B41-A9C4-509DD0A59BFD}" dt="2022-03-25T14:38:53.205" v="88" actId="20577"/>
-          <ac:spMkLst>
-            <pc:docMk/>
-            <pc:sldMk cId="4130549615" sldId="262"/>
-            <ac:spMk id="125" creationId="{00000000-0000-0000-0000-000000000000}"/>
-          </ac:spMkLst>
-        </pc:spChg>
-        <pc:picChg chg="mod">
-          <ac:chgData name="Riccardo Berta" userId="c8694f89-bba4-4576-b0a8-456619ca5a8c" providerId="ADAL" clId="{35C5D11B-424E-5B41-A9C4-509DD0A59BFD}" dt="2022-03-22T07:43:02.767" v="20"/>
-          <ac:picMkLst>
-            <pc:docMk/>
-            <pc:sldMk cId="4130549615" sldId="262"/>
-            <ac:picMk id="126" creationId="{00000000-0000-0000-0000-000000000000}"/>
-          </ac:picMkLst>
-        </pc:picChg>
-      </pc:sldChg>
-      <pc:sldChg chg="modSp">
-        <pc:chgData name="Riccardo Berta" userId="c8694f89-bba4-4576-b0a8-456619ca5a8c" providerId="ADAL" clId="{35C5D11B-424E-5B41-A9C4-509DD0A59BFD}" dt="2022-03-22T07:43:16.691" v="21"/>
-        <pc:sldMkLst>
-          <pc:docMk/>
-          <pc:sldMk cId="3102138681" sldId="263"/>
-        </pc:sldMkLst>
-        <pc:picChg chg="mod">
-          <ac:chgData name="Riccardo Berta" userId="c8694f89-bba4-4576-b0a8-456619ca5a8c" providerId="ADAL" clId="{35C5D11B-424E-5B41-A9C4-509DD0A59BFD}" dt="2022-03-22T07:43:16.691" v="21"/>
-          <ac:picMkLst>
-            <pc:docMk/>
-            <pc:sldMk cId="3102138681" sldId="263"/>
-            <ac:picMk id="133" creationId="{00000000-0000-0000-0000-000000000000}"/>
-          </ac:picMkLst>
-        </pc:picChg>
-      </pc:sldChg>
-      <pc:sldChg chg="modSp mod">
-        <pc:chgData name="Riccardo Berta" userId="c8694f89-bba4-4576-b0a8-456619ca5a8c" providerId="ADAL" clId="{35C5D11B-424E-5B41-A9C4-509DD0A59BFD}" dt="2022-03-25T15:16:54.434" v="126" actId="20577"/>
-        <pc:sldMkLst>
-          <pc:docMk/>
-          <pc:sldMk cId="2113557187" sldId="264"/>
-        </pc:sldMkLst>
-        <pc:spChg chg="mod">
-          <ac:chgData name="Riccardo Berta" userId="c8694f89-bba4-4576-b0a8-456619ca5a8c" providerId="ADAL" clId="{35C5D11B-424E-5B41-A9C4-509DD0A59BFD}" dt="2022-03-25T15:16:54.434" v="126" actId="20577"/>
-          <ac:spMkLst>
-            <pc:docMk/>
-            <pc:sldMk cId="2113557187" sldId="264"/>
-            <ac:spMk id="139" creationId="{00000000-0000-0000-0000-000000000000}"/>
-          </ac:spMkLst>
-        </pc:spChg>
-        <pc:picChg chg="mod">
-          <ac:chgData name="Riccardo Berta" userId="c8694f89-bba4-4576-b0a8-456619ca5a8c" providerId="ADAL" clId="{35C5D11B-424E-5B41-A9C4-509DD0A59BFD}" dt="2022-03-22T07:43:33.267" v="22"/>
-          <ac:picMkLst>
-            <pc:docMk/>
-            <pc:sldMk cId="2113557187" sldId="264"/>
-            <ac:picMk id="141" creationId="{00000000-0000-0000-0000-000000000000}"/>
-          </ac:picMkLst>
-        </pc:picChg>
-        <pc:picChg chg="mod">
-          <ac:chgData name="Riccardo Berta" userId="c8694f89-bba4-4576-b0a8-456619ca5a8c" providerId="ADAL" clId="{35C5D11B-424E-5B41-A9C4-509DD0A59BFD}" dt="2022-03-22T07:43:50.362" v="23"/>
-          <ac:picMkLst>
-            <pc:docMk/>
-            <pc:sldMk cId="2113557187" sldId="264"/>
-            <ac:picMk id="142" creationId="{00000000-0000-0000-0000-000000000000}"/>
-          </ac:picMkLst>
-        </pc:picChg>
-      </pc:sldChg>
-      <pc:sldChg chg="modSp">
-        <pc:chgData name="Riccardo Berta" userId="c8694f89-bba4-4576-b0a8-456619ca5a8c" providerId="ADAL" clId="{35C5D11B-424E-5B41-A9C4-509DD0A59BFD}" dt="2022-03-22T07:44:03.240" v="24"/>
-        <pc:sldMkLst>
-          <pc:docMk/>
-          <pc:sldMk cId="2045385232" sldId="265"/>
-        </pc:sldMkLst>
-        <pc:picChg chg="mod">
-          <ac:chgData name="Riccardo Berta" userId="c8694f89-bba4-4576-b0a8-456619ca5a8c" providerId="ADAL" clId="{35C5D11B-424E-5B41-A9C4-509DD0A59BFD}" dt="2022-03-22T07:44:03.240" v="24"/>
-          <ac:picMkLst>
-            <pc:docMk/>
-            <pc:sldMk cId="2045385232" sldId="265"/>
-            <ac:picMk id="149" creationId="{00000000-0000-0000-0000-000000000000}"/>
-          </ac:picMkLst>
-        </pc:picChg>
-      </pc:sldChg>
-      <pc:sldChg chg="modSp">
-        <pc:chgData name="Riccardo Berta" userId="c8694f89-bba4-4576-b0a8-456619ca5a8c" providerId="ADAL" clId="{35C5D11B-424E-5B41-A9C4-509DD0A59BFD}" dt="2022-03-22T07:44:22.734" v="25"/>
-        <pc:sldMkLst>
-          <pc:docMk/>
-          <pc:sldMk cId="4181844165" sldId="266"/>
-        </pc:sldMkLst>
-        <pc:picChg chg="mod">
-          <ac:chgData name="Riccardo Berta" userId="c8694f89-bba4-4576-b0a8-456619ca5a8c" providerId="ADAL" clId="{35C5D11B-424E-5B41-A9C4-509DD0A59BFD}" dt="2022-03-22T07:44:22.734" v="25"/>
-          <ac:picMkLst>
-            <pc:docMk/>
-            <pc:sldMk cId="4181844165" sldId="266"/>
-            <ac:picMk id="156" creationId="{00000000-0000-0000-0000-000000000000}"/>
-          </ac:picMkLst>
-        </pc:picChg>
-      </pc:sldChg>
-      <pc:sldChg chg="modSp mod">
-        <pc:chgData name="Riccardo Berta" userId="c8694f89-bba4-4576-b0a8-456619ca5a8c" providerId="ADAL" clId="{35C5D11B-424E-5B41-A9C4-509DD0A59BFD}" dt="2022-04-01T12:12:56.906" v="135" actId="20577"/>
-        <pc:sldMkLst>
-          <pc:docMk/>
-          <pc:sldMk cId="216455838" sldId="267"/>
-        </pc:sldMkLst>
-        <pc:spChg chg="mod">
-          <ac:chgData name="Riccardo Berta" userId="c8694f89-bba4-4576-b0a8-456619ca5a8c" providerId="ADAL" clId="{35C5D11B-424E-5B41-A9C4-509DD0A59BFD}" dt="2022-04-01T12:12:56.906" v="135" actId="20577"/>
-          <ac:spMkLst>
-            <pc:docMk/>
-            <pc:sldMk cId="216455838" sldId="267"/>
-            <ac:spMk id="162" creationId="{00000000-0000-0000-0000-000000000000}"/>
-          </ac:spMkLst>
-        </pc:spChg>
-        <pc:picChg chg="mod">
-          <ac:chgData name="Riccardo Berta" userId="c8694f89-bba4-4576-b0a8-456619ca5a8c" providerId="ADAL" clId="{35C5D11B-424E-5B41-A9C4-509DD0A59BFD}" dt="2022-03-22T07:44:34.392" v="26"/>
-          <ac:picMkLst>
-            <pc:docMk/>
-            <pc:sldMk cId="216455838" sldId="267"/>
-            <ac:picMk id="163" creationId="{00000000-0000-0000-0000-000000000000}"/>
-          </ac:picMkLst>
-        </pc:picChg>
-      </pc:sldChg>
-      <pc:sldChg chg="del">
-        <pc:chgData name="Riccardo Berta" userId="c8694f89-bba4-4576-b0a8-456619ca5a8c" providerId="ADAL" clId="{35C5D11B-424E-5B41-A9C4-509DD0A59BFD}" dt="2022-03-22T07:29:13.529" v="3" actId="2696"/>
-        <pc:sldMkLst>
-          <pc:docMk/>
-          <pc:sldMk cId="925286286" sldId="268"/>
-        </pc:sldMkLst>
-      </pc:sldChg>
-      <pc:sldChg chg="modSp">
-        <pc:chgData name="Riccardo Berta" userId="c8694f89-bba4-4576-b0a8-456619ca5a8c" providerId="ADAL" clId="{35C5D11B-424E-5B41-A9C4-509DD0A59BFD}" dt="2022-03-22T07:44:59.403" v="28"/>
-        <pc:sldMkLst>
-          <pc:docMk/>
-          <pc:sldMk cId="3471997037" sldId="269"/>
-        </pc:sldMkLst>
-        <pc:picChg chg="mod">
-          <ac:chgData name="Riccardo Berta" userId="c8694f89-bba4-4576-b0a8-456619ca5a8c" providerId="ADAL" clId="{35C5D11B-424E-5B41-A9C4-509DD0A59BFD}" dt="2022-03-22T07:44:47.754" v="27"/>
-          <ac:picMkLst>
-            <pc:docMk/>
-            <pc:sldMk cId="3471997037" sldId="269"/>
-            <ac:picMk id="176" creationId="{00000000-0000-0000-0000-000000000000}"/>
-          </ac:picMkLst>
-        </pc:picChg>
-        <pc:picChg chg="mod">
-          <ac:chgData name="Riccardo Berta" userId="c8694f89-bba4-4576-b0a8-456619ca5a8c" providerId="ADAL" clId="{35C5D11B-424E-5B41-A9C4-509DD0A59BFD}" dt="2022-03-22T07:44:59.403" v="28"/>
-          <ac:picMkLst>
-            <pc:docMk/>
-            <pc:sldMk cId="3471997037" sldId="269"/>
-            <ac:picMk id="177" creationId="{00000000-0000-0000-0000-000000000000}"/>
-          </ac:picMkLst>
-        </pc:picChg>
-      </pc:sldChg>
-      <pc:sldChg chg="modSp mod">
-        <pc:chgData name="Riccardo Berta" userId="c8694f89-bba4-4576-b0a8-456619ca5a8c" providerId="ADAL" clId="{35C5D11B-424E-5B41-A9C4-509DD0A59BFD}" dt="2022-03-22T07:47:03.443" v="33"/>
-        <pc:sldMkLst>
-          <pc:docMk/>
-          <pc:sldMk cId="3130917410" sldId="270"/>
-        </pc:sldMkLst>
-        <pc:picChg chg="mod">
-          <ac:chgData name="Riccardo Berta" userId="c8694f89-bba4-4576-b0a8-456619ca5a8c" providerId="ADAL" clId="{35C5D11B-424E-5B41-A9C4-509DD0A59BFD}" dt="2022-03-22T07:46:52.226" v="32"/>
-          <ac:picMkLst>
-            <pc:docMk/>
-            <pc:sldMk cId="3130917410" sldId="270"/>
-            <ac:picMk id="184" creationId="{00000000-0000-0000-0000-000000000000}"/>
-          </ac:picMkLst>
-        </pc:picChg>
-        <pc:picChg chg="mod">
-          <ac:chgData name="Riccardo Berta" userId="c8694f89-bba4-4576-b0a8-456619ca5a8c" providerId="ADAL" clId="{35C5D11B-424E-5B41-A9C4-509DD0A59BFD}" dt="2022-03-22T07:47:03.443" v="33"/>
-          <ac:picMkLst>
-            <pc:docMk/>
-            <pc:sldMk cId="3130917410" sldId="270"/>
-            <ac:picMk id="185" creationId="{00000000-0000-0000-0000-000000000000}"/>
-          </ac:picMkLst>
-        </pc:picChg>
-      </pc:sldChg>
-      <pc:sldChg chg="modSp mod">
-        <pc:chgData name="Riccardo Berta" userId="c8694f89-bba4-4576-b0a8-456619ca5a8c" providerId="ADAL" clId="{35C5D11B-424E-5B41-A9C4-509DD0A59BFD}" dt="2022-03-22T07:47:51.976" v="38"/>
-        <pc:sldMkLst>
-          <pc:docMk/>
-          <pc:sldMk cId="2266699268" sldId="271"/>
-        </pc:sldMkLst>
-        <pc:picChg chg="mod">
-          <ac:chgData name="Riccardo Berta" userId="c8694f89-bba4-4576-b0a8-456619ca5a8c" providerId="ADAL" clId="{35C5D11B-424E-5B41-A9C4-509DD0A59BFD}" dt="2022-03-22T07:47:14.728" v="34"/>
-          <ac:picMkLst>
-            <pc:docMk/>
-            <pc:sldMk cId="2266699268" sldId="271"/>
-            <ac:picMk id="193" creationId="{00000000-0000-0000-0000-000000000000}"/>
-          </ac:picMkLst>
-        </pc:picChg>
-        <pc:picChg chg="mod">
-          <ac:chgData name="Riccardo Berta" userId="c8694f89-bba4-4576-b0a8-456619ca5a8c" providerId="ADAL" clId="{35C5D11B-424E-5B41-A9C4-509DD0A59BFD}" dt="2022-03-22T07:47:31.485" v="36"/>
-          <ac:picMkLst>
-            <pc:docMk/>
-            <pc:sldMk cId="2266699268" sldId="271"/>
-            <ac:picMk id="194" creationId="{00000000-0000-0000-0000-000000000000}"/>
-          </ac:picMkLst>
-        </pc:picChg>
-        <pc:picChg chg="mod">
-          <ac:chgData name="Riccardo Berta" userId="c8694f89-bba4-4576-b0a8-456619ca5a8c" providerId="ADAL" clId="{35C5D11B-424E-5B41-A9C4-509DD0A59BFD}" dt="2022-03-22T07:47:51.976" v="38"/>
-          <ac:picMkLst>
-            <pc:docMk/>
-            <pc:sldMk cId="2266699268" sldId="271"/>
-            <ac:picMk id="195" creationId="{00000000-0000-0000-0000-000000000000}"/>
-          </ac:picMkLst>
-        </pc:picChg>
-      </pc:sldChg>
-      <pc:sldChg chg="modSp mod ord">
-        <pc:chgData name="Riccardo Berta" userId="c8694f89-bba4-4576-b0a8-456619ca5a8c" providerId="ADAL" clId="{35C5D11B-424E-5B41-A9C4-509DD0A59BFD}" dt="2022-03-22T07:29:04.952" v="2"/>
-        <pc:sldMkLst>
-          <pc:docMk/>
-          <pc:sldMk cId="993270251" sldId="272"/>
-        </pc:sldMkLst>
-        <pc:spChg chg="mod">
-          <ac:chgData name="Riccardo Berta" userId="c8694f89-bba4-4576-b0a8-456619ca5a8c" providerId="ADAL" clId="{35C5D11B-424E-5B41-A9C4-509DD0A59BFD}" dt="2022-03-22T07:29:04.952" v="2"/>
-          <ac:spMkLst>
-            <pc:docMk/>
-            <pc:sldMk cId="993270251" sldId="272"/>
-            <ac:spMk id="201" creationId="{00000000-0000-0000-0000-000000000000}"/>
-          </ac:spMkLst>
-        </pc:spChg>
-      </pc:sldChg>
-      <pc:sldChg chg="modSp">
-        <pc:chgData name="Riccardo Berta" userId="c8694f89-bba4-4576-b0a8-456619ca5a8c" providerId="ADAL" clId="{35C5D11B-424E-5B41-A9C4-509DD0A59BFD}" dt="2022-03-22T07:48:04.230" v="39"/>
-        <pc:sldMkLst>
-          <pc:docMk/>
-          <pc:sldMk cId="0" sldId="273"/>
-        </pc:sldMkLst>
-        <pc:picChg chg="mod">
-          <ac:chgData name="Riccardo Berta" userId="c8694f89-bba4-4576-b0a8-456619ca5a8c" providerId="ADAL" clId="{35C5D11B-424E-5B41-A9C4-509DD0A59BFD}" dt="2022-03-22T07:48:04.230" v="39"/>
-          <ac:picMkLst>
-            <pc:docMk/>
-            <pc:sldMk cId="0" sldId="273"/>
-            <ac:picMk id="210" creationId="{00000000-0000-0000-0000-000000000000}"/>
-          </ac:picMkLst>
-        </pc:picChg>
-      </pc:sldChg>
-      <pc:sldChg chg="modSp">
-        <pc:chgData name="Riccardo Berta" userId="c8694f89-bba4-4576-b0a8-456619ca5a8c" providerId="ADAL" clId="{35C5D11B-424E-5B41-A9C4-509DD0A59BFD}" dt="2022-03-22T07:48:21.111" v="40"/>
-        <pc:sldMkLst>
-          <pc:docMk/>
-          <pc:sldMk cId="97697531" sldId="275"/>
-        </pc:sldMkLst>
-        <pc:picChg chg="mod">
-          <ac:chgData name="Riccardo Berta" userId="c8694f89-bba4-4576-b0a8-456619ca5a8c" providerId="ADAL" clId="{35C5D11B-424E-5B41-A9C4-509DD0A59BFD}" dt="2022-03-22T07:48:21.111" v="40"/>
-          <ac:picMkLst>
-            <pc:docMk/>
-            <pc:sldMk cId="97697531" sldId="275"/>
-            <ac:picMk id="224" creationId="{00000000-0000-0000-0000-000000000000}"/>
-          </ac:picMkLst>
-        </pc:picChg>
-      </pc:sldChg>
-    </pc:docChg>
-  </pc:docChgLst>
-  <pc:docChgLst>
-    <pc:chgData name="Riccardo Berta" userId="c8694f89-bba4-4576-b0a8-456619ca5a8c" providerId="ADAL" clId="{F4AAAA8C-1CB2-214C-996A-F15BCA6CB64E}"/>
-    <pc:docChg chg="undo custSel addSld delSld modSld">
-      <pc:chgData name="Riccardo Berta" userId="c8694f89-bba4-4576-b0a8-456619ca5a8c" providerId="ADAL" clId="{F4AAAA8C-1CB2-214C-996A-F15BCA6CB64E}" dt="2022-07-29T16:21:50.628" v="2975" actId="1076"/>
-      <pc:docMkLst>
-        <pc:docMk/>
-      </pc:docMkLst>
-      <pc:sldChg chg="modSp mod">
-        <pc:chgData name="Riccardo Berta" userId="c8694f89-bba4-4576-b0a8-456619ca5a8c" providerId="ADAL" clId="{F4AAAA8C-1CB2-214C-996A-F15BCA6CB64E}" dt="2022-07-27T13:37:29.445" v="2" actId="20577"/>
-        <pc:sldMkLst>
-          <pc:docMk/>
-          <pc:sldMk cId="0" sldId="256"/>
-        </pc:sldMkLst>
-        <pc:spChg chg="mod">
-          <ac:chgData name="Riccardo Berta" userId="c8694f89-bba4-4576-b0a8-456619ca5a8c" providerId="ADAL" clId="{F4AAAA8C-1CB2-214C-996A-F15BCA6CB64E}" dt="2022-07-27T13:37:29.445" v="2" actId="20577"/>
-          <ac:spMkLst>
-            <pc:docMk/>
-            <pc:sldMk cId="0" sldId="256"/>
-            <ac:spMk id="62" creationId="{00000000-0000-0000-0000-000000000000}"/>
-          </ac:spMkLst>
-        </pc:spChg>
-      </pc:sldChg>
-      <pc:sldChg chg="addSp modSp mod">
-        <pc:chgData name="Riccardo Berta" userId="c8694f89-bba4-4576-b0a8-456619ca5a8c" providerId="ADAL" clId="{F4AAAA8C-1CB2-214C-996A-F15BCA6CB64E}" dt="2022-07-27T13:43:23.760" v="162" actId="20577"/>
-        <pc:sldMkLst>
-          <pc:docMk/>
-          <pc:sldMk cId="0" sldId="257"/>
-        </pc:sldMkLst>
-        <pc:spChg chg="mod">
-          <ac:chgData name="Riccardo Berta" userId="c8694f89-bba4-4576-b0a8-456619ca5a8c" providerId="ADAL" clId="{F4AAAA8C-1CB2-214C-996A-F15BCA6CB64E}" dt="2022-07-27T13:38:19.538" v="24" actId="20577"/>
-          <ac:spMkLst>
-            <pc:docMk/>
-            <pc:sldMk cId="0" sldId="257"/>
-            <ac:spMk id="83" creationId="{00000000-0000-0000-0000-000000000000}"/>
-          </ac:spMkLst>
-        </pc:spChg>
-        <pc:spChg chg="mod">
-          <ac:chgData name="Riccardo Berta" userId="c8694f89-bba4-4576-b0a8-456619ca5a8c" providerId="ADAL" clId="{F4AAAA8C-1CB2-214C-996A-F15BCA6CB64E}" dt="2022-07-27T13:43:23.760" v="162" actId="20577"/>
-          <ac:spMkLst>
-            <pc:docMk/>
-            <pc:sldMk cId="0" sldId="257"/>
-            <ac:spMk id="84" creationId="{00000000-0000-0000-0000-000000000000}"/>
-          </ac:spMkLst>
-        </pc:spChg>
-        <pc:picChg chg="add mod">
-          <ac:chgData name="Riccardo Berta" userId="c8694f89-bba4-4576-b0a8-456619ca5a8c" providerId="ADAL" clId="{F4AAAA8C-1CB2-214C-996A-F15BCA6CB64E}" dt="2022-07-27T13:43:02.813" v="153" actId="1076"/>
-          <ac:picMkLst>
-            <pc:docMk/>
-            <pc:sldMk cId="0" sldId="257"/>
-            <ac:picMk id="3" creationId="{E337B85C-FAA8-CC41-92F2-13E0228E3B65}"/>
-          </ac:picMkLst>
-        </pc:picChg>
-      </pc:sldChg>
-      <pc:sldChg chg="modSp del">
-        <pc:chgData name="Riccardo Berta" userId="c8694f89-bba4-4576-b0a8-456619ca5a8c" providerId="ADAL" clId="{F4AAAA8C-1CB2-214C-996A-F15BCA6CB64E}" dt="2022-07-27T13:43:43.714" v="164" actId="2696"/>
-        <pc:sldMkLst>
-          <pc:docMk/>
-          <pc:sldMk cId="1899110855" sldId="258"/>
-        </pc:sldMkLst>
-        <pc:spChg chg="mod">
-          <ac:chgData name="Riccardo Berta" userId="c8694f89-bba4-4576-b0a8-456619ca5a8c" providerId="ADAL" clId="{F4AAAA8C-1CB2-214C-996A-F15BCA6CB64E}" dt="2022-07-27T13:43:40.189" v="163"/>
-          <ac:spMkLst>
-            <pc:docMk/>
-            <pc:sldMk cId="1899110855" sldId="258"/>
-            <ac:spMk id="2" creationId="{9A367158-2E24-E90C-7ECC-502AB323ED05}"/>
-          </ac:spMkLst>
-        </pc:spChg>
-      </pc:sldChg>
-      <pc:sldChg chg="addSp delSp modSp mod">
-        <pc:chgData name="Riccardo Berta" userId="c8694f89-bba4-4576-b0a8-456619ca5a8c" providerId="ADAL" clId="{F4AAAA8C-1CB2-214C-996A-F15BCA6CB64E}" dt="2022-07-29T16:13:43.411" v="2890" actId="20577"/>
-        <pc:sldMkLst>
-          <pc:docMk/>
-          <pc:sldMk cId="3018556184" sldId="259"/>
-        </pc:sldMkLst>
-        <pc:spChg chg="mod">
-          <ac:chgData name="Riccardo Berta" userId="c8694f89-bba4-4576-b0a8-456619ca5a8c" providerId="ADAL" clId="{F4AAAA8C-1CB2-214C-996A-F15BCA6CB64E}" dt="2022-07-29T16:13:43.411" v="2890" actId="20577"/>
-          <ac:spMkLst>
-            <pc:docMk/>
-            <pc:sldMk cId="3018556184" sldId="259"/>
-            <ac:spMk id="3" creationId="{38BFAA1C-1163-169B-2D77-6FEF73CC8512}"/>
-          </ac:spMkLst>
-        </pc:spChg>
-        <pc:picChg chg="add del mod">
-          <ac:chgData name="Riccardo Berta" userId="c8694f89-bba4-4576-b0a8-456619ca5a8c" providerId="ADAL" clId="{F4AAAA8C-1CB2-214C-996A-F15BCA6CB64E}" dt="2022-07-29T07:13:37.040" v="2021" actId="21"/>
-          <ac:picMkLst>
-            <pc:docMk/>
-            <pc:sldMk cId="3018556184" sldId="259"/>
-            <ac:picMk id="5" creationId="{3D57D188-F23C-A5F1-8770-234AC5C0F8CD}"/>
-          </ac:picMkLst>
-        </pc:picChg>
-      </pc:sldChg>
-      <pc:sldChg chg="del">
-        <pc:chgData name="Riccardo Berta" userId="c8694f89-bba4-4576-b0a8-456619ca5a8c" providerId="ADAL" clId="{F4AAAA8C-1CB2-214C-996A-F15BCA6CB64E}" dt="2022-07-27T13:43:45.045" v="165" actId="2696"/>
-        <pc:sldMkLst>
-          <pc:docMk/>
-          <pc:sldMk cId="1104208334" sldId="260"/>
-        </pc:sldMkLst>
-      </pc:sldChg>
-      <pc:sldChg chg="addSp delSp modSp add mod">
-        <pc:chgData name="Riccardo Berta" userId="c8694f89-bba4-4576-b0a8-456619ca5a8c" providerId="ADAL" clId="{F4AAAA8C-1CB2-214C-996A-F15BCA6CB64E}" dt="2022-07-28T05:47:21.216" v="337" actId="1076"/>
-        <pc:sldMkLst>
-          <pc:docMk/>
-          <pc:sldMk cId="2119751735" sldId="260"/>
-        </pc:sldMkLst>
-        <pc:spChg chg="mod">
-          <ac:chgData name="Riccardo Berta" userId="c8694f89-bba4-4576-b0a8-456619ca5a8c" providerId="ADAL" clId="{F4AAAA8C-1CB2-214C-996A-F15BCA6CB64E}" dt="2022-07-27T13:45:31.917" v="177" actId="20577"/>
-          <ac:spMkLst>
-            <pc:docMk/>
-            <pc:sldMk cId="2119751735" sldId="260"/>
-            <ac:spMk id="83" creationId="{00000000-0000-0000-0000-000000000000}"/>
-          </ac:spMkLst>
-        </pc:spChg>
-        <pc:spChg chg="mod">
-          <ac:chgData name="Riccardo Berta" userId="c8694f89-bba4-4576-b0a8-456619ca5a8c" providerId="ADAL" clId="{F4AAAA8C-1CB2-214C-996A-F15BCA6CB64E}" dt="2022-07-28T05:46:51.692" v="332" actId="20577"/>
-          <ac:spMkLst>
-            <pc:docMk/>
-            <pc:sldMk cId="2119751735" sldId="260"/>
-            <ac:spMk id="84" creationId="{00000000-0000-0000-0000-000000000000}"/>
-          </ac:spMkLst>
-        </pc:spChg>
-        <pc:grpChg chg="add mod">
-          <ac:chgData name="Riccardo Berta" userId="c8694f89-bba4-4576-b0a8-456619ca5a8c" providerId="ADAL" clId="{F4AAAA8C-1CB2-214C-996A-F15BCA6CB64E}" dt="2022-07-28T05:47:21.216" v="337" actId="1076"/>
-          <ac:grpSpMkLst>
-            <pc:docMk/>
-            <pc:sldMk cId="2119751735" sldId="260"/>
-            <ac:grpSpMk id="7" creationId="{489CA0CE-5F21-4BF4-5B0C-E98A8FC5FDD8}"/>
-          </ac:grpSpMkLst>
-        </pc:grpChg>
-        <pc:picChg chg="del">
-          <ac:chgData name="Riccardo Berta" userId="c8694f89-bba4-4576-b0a8-456619ca5a8c" providerId="ADAL" clId="{F4AAAA8C-1CB2-214C-996A-F15BCA6CB64E}" dt="2022-07-27T13:45:46.742" v="181" actId="478"/>
-          <ac:picMkLst>
-            <pc:docMk/>
-            <pc:sldMk cId="2119751735" sldId="260"/>
-            <ac:picMk id="3" creationId="{E337B85C-FAA8-CC41-92F2-13E0228E3B65}"/>
-          </ac:picMkLst>
-        </pc:picChg>
-        <pc:picChg chg="add mod">
-          <ac:chgData name="Riccardo Berta" userId="c8694f89-bba4-4576-b0a8-456619ca5a8c" providerId="ADAL" clId="{F4AAAA8C-1CB2-214C-996A-F15BCA6CB64E}" dt="2022-07-28T05:45:35.354" v="315" actId="164"/>
-          <ac:picMkLst>
-            <pc:docMk/>
-            <pc:sldMk cId="2119751735" sldId="260"/>
-            <ac:picMk id="4" creationId="{BEB555A5-8E8F-EF63-4BD5-BDB8C5B0448C}"/>
-          </ac:picMkLst>
-        </pc:picChg>
-        <pc:picChg chg="add mod">
-          <ac:chgData name="Riccardo Berta" userId="c8694f89-bba4-4576-b0a8-456619ca5a8c" providerId="ADAL" clId="{F4AAAA8C-1CB2-214C-996A-F15BCA6CB64E}" dt="2022-07-28T05:45:35.354" v="315" actId="164"/>
-          <ac:picMkLst>
-            <pc:docMk/>
-            <pc:sldMk cId="2119751735" sldId="260"/>
-            <ac:picMk id="6" creationId="{177C8D6D-02B1-C754-62AE-4DE123A1F0A3}"/>
-          </ac:picMkLst>
-        </pc:picChg>
-        <pc:picChg chg="add mod">
-          <ac:chgData name="Riccardo Berta" userId="c8694f89-bba4-4576-b0a8-456619ca5a8c" providerId="ADAL" clId="{F4AAAA8C-1CB2-214C-996A-F15BCA6CB64E}" dt="2022-07-28T05:47:04.885" v="335" actId="167"/>
-          <ac:picMkLst>
-            <pc:docMk/>
-            <pc:sldMk cId="2119751735" sldId="260"/>
-            <ac:picMk id="9" creationId="{B47B7D50-84FB-AA7F-8A99-66D4AF7E0E9D}"/>
-          </ac:picMkLst>
-        </pc:picChg>
-      </pc:sldChg>
-      <pc:sldChg chg="del">
-        <pc:chgData name="Riccardo Berta" userId="c8694f89-bba4-4576-b0a8-456619ca5a8c" providerId="ADAL" clId="{F4AAAA8C-1CB2-214C-996A-F15BCA6CB64E}" dt="2022-07-27T13:43:46.058" v="166" actId="2696"/>
-        <pc:sldMkLst>
-          <pc:docMk/>
-          <pc:sldMk cId="1290395919" sldId="261"/>
-        </pc:sldMkLst>
-      </pc:sldChg>
-      <pc:sldChg chg="delSp modSp add mod">
-        <pc:chgData name="Riccardo Berta" userId="c8694f89-bba4-4576-b0a8-456619ca5a8c" providerId="ADAL" clId="{F4AAAA8C-1CB2-214C-996A-F15BCA6CB64E}" dt="2022-07-28T06:08:36.900" v="979" actId="20577"/>
-        <pc:sldMkLst>
-          <pc:docMk/>
-          <pc:sldMk cId="2389937581" sldId="261"/>
-        </pc:sldMkLst>
-        <pc:spChg chg="mod">
-          <ac:chgData name="Riccardo Berta" userId="c8694f89-bba4-4576-b0a8-456619ca5a8c" providerId="ADAL" clId="{F4AAAA8C-1CB2-214C-996A-F15BCA6CB64E}" dt="2022-07-28T05:48:31.210" v="384" actId="20577"/>
-          <ac:spMkLst>
-            <pc:docMk/>
-            <pc:sldMk cId="2389937581" sldId="261"/>
-            <ac:spMk id="83" creationId="{00000000-0000-0000-0000-000000000000}"/>
-          </ac:spMkLst>
-        </pc:spChg>
-        <pc:spChg chg="mod">
-          <ac:chgData name="Riccardo Berta" userId="c8694f89-bba4-4576-b0a8-456619ca5a8c" providerId="ADAL" clId="{F4AAAA8C-1CB2-214C-996A-F15BCA6CB64E}" dt="2022-07-28T06:08:36.900" v="979" actId="20577"/>
-          <ac:spMkLst>
-            <pc:docMk/>
-            <pc:sldMk cId="2389937581" sldId="261"/>
-            <ac:spMk id="84" creationId="{00000000-0000-0000-0000-000000000000}"/>
-          </ac:spMkLst>
-        </pc:spChg>
-        <pc:picChg chg="del">
-          <ac:chgData name="Riccardo Berta" userId="c8694f89-bba4-4576-b0a8-456619ca5a8c" providerId="ADAL" clId="{F4AAAA8C-1CB2-214C-996A-F15BCA6CB64E}" dt="2022-07-28T05:48:38.627" v="386" actId="478"/>
-          <ac:picMkLst>
-            <pc:docMk/>
-            <pc:sldMk cId="2389937581" sldId="261"/>
-            <ac:picMk id="3" creationId="{E337B85C-FAA8-CC41-92F2-13E0228E3B65}"/>
-          </ac:picMkLst>
-        </pc:picChg>
-      </pc:sldChg>
-      <pc:sldChg chg="addSp delSp modSp add mod">
-        <pc:chgData name="Riccardo Berta" userId="c8694f89-bba4-4576-b0a8-456619ca5a8c" providerId="ADAL" clId="{F4AAAA8C-1CB2-214C-996A-F15BCA6CB64E}" dt="2022-07-28T06:20:33.799" v="1324" actId="58"/>
-        <pc:sldMkLst>
-          <pc:docMk/>
-          <pc:sldMk cId="1270389364" sldId="262"/>
-        </pc:sldMkLst>
-        <pc:spChg chg="mod">
-          <ac:chgData name="Riccardo Berta" userId="c8694f89-bba4-4576-b0a8-456619ca5a8c" providerId="ADAL" clId="{F4AAAA8C-1CB2-214C-996A-F15BCA6CB64E}" dt="2022-07-28T06:09:05.210" v="991" actId="20577"/>
-          <ac:spMkLst>
-            <pc:docMk/>
-            <pc:sldMk cId="1270389364" sldId="262"/>
-            <ac:spMk id="83" creationId="{00000000-0000-0000-0000-000000000000}"/>
-          </ac:spMkLst>
-        </pc:spChg>
-        <pc:spChg chg="mod">
-          <ac:chgData name="Riccardo Berta" userId="c8694f89-bba4-4576-b0a8-456619ca5a8c" providerId="ADAL" clId="{F4AAAA8C-1CB2-214C-996A-F15BCA6CB64E}" dt="2022-07-28T06:20:33.799" v="1324" actId="58"/>
-          <ac:spMkLst>
-            <pc:docMk/>
-            <pc:sldMk cId="1270389364" sldId="262"/>
-            <ac:spMk id="84" creationId="{00000000-0000-0000-0000-000000000000}"/>
-          </ac:spMkLst>
-        </pc:spChg>
-        <pc:picChg chg="del">
-          <ac:chgData name="Riccardo Berta" userId="c8694f89-bba4-4576-b0a8-456619ca5a8c" providerId="ADAL" clId="{F4AAAA8C-1CB2-214C-996A-F15BCA6CB64E}" dt="2022-07-28T06:09:15.678" v="996" actId="478"/>
-          <ac:picMkLst>
-            <pc:docMk/>
-            <pc:sldMk cId="1270389364" sldId="262"/>
-            <ac:picMk id="3" creationId="{E337B85C-FAA8-CC41-92F2-13E0228E3B65}"/>
-          </ac:picMkLst>
-        </pc:picChg>
-        <pc:picChg chg="add mod">
-          <ac:chgData name="Riccardo Berta" userId="c8694f89-bba4-4576-b0a8-456619ca5a8c" providerId="ADAL" clId="{F4AAAA8C-1CB2-214C-996A-F15BCA6CB64E}" dt="2022-07-28T06:17:50.208" v="1230" actId="1036"/>
-          <ac:picMkLst>
-            <pc:docMk/>
-            <pc:sldMk cId="1270389364" sldId="262"/>
-            <ac:picMk id="4" creationId="{AB9A4B8B-5326-C7E4-06B6-378D995D5B26}"/>
-          </ac:picMkLst>
-        </pc:picChg>
-      </pc:sldChg>
-      <pc:sldChg chg="del">
-        <pc:chgData name="Riccardo Berta" userId="c8694f89-bba4-4576-b0a8-456619ca5a8c" providerId="ADAL" clId="{F4AAAA8C-1CB2-214C-996A-F15BCA6CB64E}" dt="2022-07-27T13:43:47.251" v="167" actId="2696"/>
-        <pc:sldMkLst>
-          <pc:docMk/>
-          <pc:sldMk cId="4130549615" sldId="262"/>
-        </pc:sldMkLst>
-      </pc:sldChg>
-      <pc:sldChg chg="modSp add mod">
-        <pc:chgData name="Riccardo Berta" userId="c8694f89-bba4-4576-b0a8-456619ca5a8c" providerId="ADAL" clId="{F4AAAA8C-1CB2-214C-996A-F15BCA6CB64E}" dt="2022-07-29T07:18:15.970" v="2126" actId="1076"/>
-        <pc:sldMkLst>
-          <pc:docMk/>
-          <pc:sldMk cId="2644872656" sldId="263"/>
-        </pc:sldMkLst>
-        <pc:spChg chg="mod">
-          <ac:chgData name="Riccardo Berta" userId="c8694f89-bba4-4576-b0a8-456619ca5a8c" providerId="ADAL" clId="{F4AAAA8C-1CB2-214C-996A-F15BCA6CB64E}" dt="2022-07-28T13:41:46.191" v="1354" actId="20577"/>
-          <ac:spMkLst>
-            <pc:docMk/>
-            <pc:sldMk cId="2644872656" sldId="263"/>
-            <ac:spMk id="83" creationId="{00000000-0000-0000-0000-000000000000}"/>
-          </ac:spMkLst>
-        </pc:spChg>
-        <pc:spChg chg="mod">
-          <ac:chgData name="Riccardo Berta" userId="c8694f89-bba4-4576-b0a8-456619ca5a8c" providerId="ADAL" clId="{F4AAAA8C-1CB2-214C-996A-F15BCA6CB64E}" dt="2022-07-29T07:18:15.970" v="2126" actId="1076"/>
-          <ac:spMkLst>
-            <pc:docMk/>
-            <pc:sldMk cId="2644872656" sldId="263"/>
-            <ac:spMk id="84" creationId="{00000000-0000-0000-0000-000000000000}"/>
-          </ac:spMkLst>
-        </pc:spChg>
-      </pc:sldChg>
-      <pc:sldChg chg="del">
-        <pc:chgData name="Riccardo Berta" userId="c8694f89-bba4-4576-b0a8-456619ca5a8c" providerId="ADAL" clId="{F4AAAA8C-1CB2-214C-996A-F15BCA6CB64E}" dt="2022-07-27T13:43:48.139" v="168" actId="2696"/>
-        <pc:sldMkLst>
-          <pc:docMk/>
-          <pc:sldMk cId="3102138681" sldId="263"/>
-        </pc:sldMkLst>
-      </pc:sldChg>
-      <pc:sldChg chg="modSp add mod">
-        <pc:chgData name="Riccardo Berta" userId="c8694f89-bba4-4576-b0a8-456619ca5a8c" providerId="ADAL" clId="{F4AAAA8C-1CB2-214C-996A-F15BCA6CB64E}" dt="2022-07-28T13:59:43.403" v="1794" actId="20577"/>
-        <pc:sldMkLst>
-          <pc:docMk/>
-          <pc:sldMk cId="1681389695" sldId="264"/>
-        </pc:sldMkLst>
-        <pc:spChg chg="mod">
-          <ac:chgData name="Riccardo Berta" userId="c8694f89-bba4-4576-b0a8-456619ca5a8c" providerId="ADAL" clId="{F4AAAA8C-1CB2-214C-996A-F15BCA6CB64E}" dt="2022-07-28T13:55:27.771" v="1667" actId="20577"/>
-          <ac:spMkLst>
-            <pc:docMk/>
-            <pc:sldMk cId="1681389695" sldId="264"/>
-            <ac:spMk id="83" creationId="{00000000-0000-0000-0000-000000000000}"/>
-          </ac:spMkLst>
-        </pc:spChg>
-        <pc:spChg chg="mod">
-          <ac:chgData name="Riccardo Berta" userId="c8694f89-bba4-4576-b0a8-456619ca5a8c" providerId="ADAL" clId="{F4AAAA8C-1CB2-214C-996A-F15BCA6CB64E}" dt="2022-07-28T13:59:43.403" v="1794" actId="20577"/>
-          <ac:spMkLst>
-            <pc:docMk/>
-            <pc:sldMk cId="1681389695" sldId="264"/>
-            <ac:spMk id="84" creationId="{00000000-0000-0000-0000-000000000000}"/>
-          </ac:spMkLst>
-        </pc:spChg>
-      </pc:sldChg>
-      <pc:sldChg chg="del">
-        <pc:chgData name="Riccardo Berta" userId="c8694f89-bba4-4576-b0a8-456619ca5a8c" providerId="ADAL" clId="{F4AAAA8C-1CB2-214C-996A-F15BCA6CB64E}" dt="2022-07-27T13:43:49.652" v="169" actId="2696"/>
-        <pc:sldMkLst>
-          <pc:docMk/>
-          <pc:sldMk cId="2113557187" sldId="264"/>
-        </pc:sldMkLst>
-      </pc:sldChg>
-      <pc:sldChg chg="del">
-        <pc:chgData name="Riccardo Berta" userId="c8694f89-bba4-4576-b0a8-456619ca5a8c" providerId="ADAL" clId="{F4AAAA8C-1CB2-214C-996A-F15BCA6CB64E}" dt="2022-07-27T13:43:57.658" v="170" actId="2696"/>
-        <pc:sldMkLst>
-          <pc:docMk/>
-          <pc:sldMk cId="2045385232" sldId="265"/>
-        </pc:sldMkLst>
-      </pc:sldChg>
-      <pc:sldChg chg="addSp modSp add mod">
-        <pc:chgData name="Riccardo Berta" userId="c8694f89-bba4-4576-b0a8-456619ca5a8c" providerId="ADAL" clId="{F4AAAA8C-1CB2-214C-996A-F15BCA6CB64E}" dt="2022-07-29T07:15:19.612" v="2059" actId="1037"/>
-        <pc:sldMkLst>
-          <pc:docMk/>
-          <pc:sldMk cId="2862573505" sldId="265"/>
-        </pc:sldMkLst>
-        <pc:spChg chg="mod">
-          <ac:chgData name="Riccardo Berta" userId="c8694f89-bba4-4576-b0a8-456619ca5a8c" providerId="ADAL" clId="{F4AAAA8C-1CB2-214C-996A-F15BCA6CB64E}" dt="2022-07-28T14:01:34.242" v="1824" actId="20577"/>
-          <ac:spMkLst>
-            <pc:docMk/>
-            <pc:sldMk cId="2862573505" sldId="265"/>
-            <ac:spMk id="83" creationId="{00000000-0000-0000-0000-000000000000}"/>
-          </ac:spMkLst>
-        </pc:spChg>
-        <pc:spChg chg="mod">
-          <ac:chgData name="Riccardo Berta" userId="c8694f89-bba4-4576-b0a8-456619ca5a8c" providerId="ADAL" clId="{F4AAAA8C-1CB2-214C-996A-F15BCA6CB64E}" dt="2022-07-29T07:14:51.920" v="2043" actId="1076"/>
-          <ac:spMkLst>
-            <pc:docMk/>
-            <pc:sldMk cId="2862573505" sldId="265"/>
-            <ac:spMk id="84" creationId="{00000000-0000-0000-0000-000000000000}"/>
-          </ac:spMkLst>
-        </pc:spChg>
-        <pc:picChg chg="add mod">
-          <ac:chgData name="Riccardo Berta" userId="c8694f89-bba4-4576-b0a8-456619ca5a8c" providerId="ADAL" clId="{F4AAAA8C-1CB2-214C-996A-F15BCA6CB64E}" dt="2022-07-29T07:14:07.899" v="2027" actId="1076"/>
-          <ac:picMkLst>
-            <pc:docMk/>
-            <pc:sldMk cId="2862573505" sldId="265"/>
-            <ac:picMk id="3" creationId="{E5BCAA50-F768-A24F-D65F-DC7B97A8A06C}"/>
-          </ac:picMkLst>
-        </pc:picChg>
-        <pc:picChg chg="add mod">
-          <ac:chgData name="Riccardo Berta" userId="c8694f89-bba4-4576-b0a8-456619ca5a8c" providerId="ADAL" clId="{F4AAAA8C-1CB2-214C-996A-F15BCA6CB64E}" dt="2022-07-29T07:15:19.612" v="2059" actId="1037"/>
-          <ac:picMkLst>
-            <pc:docMk/>
-            <pc:sldMk cId="2862573505" sldId="265"/>
-            <ac:picMk id="5" creationId="{743A1BA3-6E04-AB8A-9650-4CD776CB6A72}"/>
-          </ac:picMkLst>
-        </pc:picChg>
-        <pc:picChg chg="add mod">
-          <ac:chgData name="Riccardo Berta" userId="c8694f89-bba4-4576-b0a8-456619ca5a8c" providerId="ADAL" clId="{F4AAAA8C-1CB2-214C-996A-F15BCA6CB64E}" dt="2022-07-29T07:15:08.710" v="2051" actId="1037"/>
-          <ac:picMkLst>
-            <pc:docMk/>
-            <pc:sldMk cId="2862573505" sldId="265"/>
-            <ac:picMk id="6" creationId="{9C1ABB64-8085-F0EF-1388-6AF4DB3909BB}"/>
-          </ac:picMkLst>
-        </pc:picChg>
-      </pc:sldChg>
-      <pc:sldChg chg="modSp add mod">
-        <pc:chgData name="Riccardo Berta" userId="c8694f89-bba4-4576-b0a8-456619ca5a8c" providerId="ADAL" clId="{F4AAAA8C-1CB2-214C-996A-F15BCA6CB64E}" dt="2022-07-29T15:42:16.243" v="2364" actId="404"/>
-        <pc:sldMkLst>
-          <pc:docMk/>
-          <pc:sldMk cId="4181844165" sldId="266"/>
-        </pc:sldMkLst>
-        <pc:spChg chg="mod">
-          <ac:chgData name="Riccardo Berta" userId="c8694f89-bba4-4576-b0a8-456619ca5a8c" providerId="ADAL" clId="{F4AAAA8C-1CB2-214C-996A-F15BCA6CB64E}" dt="2022-07-29T07:11:57.611" v="2016"/>
-          <ac:spMkLst>
-            <pc:docMk/>
-            <pc:sldMk cId="4181844165" sldId="266"/>
-            <ac:spMk id="83" creationId="{00000000-0000-0000-0000-000000000000}"/>
-          </ac:spMkLst>
-        </pc:spChg>
-        <pc:spChg chg="mod">
-          <ac:chgData name="Riccardo Berta" userId="c8694f89-bba4-4576-b0a8-456619ca5a8c" providerId="ADAL" clId="{F4AAAA8C-1CB2-214C-996A-F15BCA6CB64E}" dt="2022-07-29T15:42:16.243" v="2364" actId="404"/>
-          <ac:spMkLst>
-            <pc:docMk/>
-            <pc:sldMk cId="4181844165" sldId="266"/>
-            <ac:spMk id="84" creationId="{00000000-0000-0000-0000-000000000000}"/>
-          </ac:spMkLst>
-        </pc:spChg>
-      </pc:sldChg>
-      <pc:sldChg chg="addSp delSp modSp add mod">
-        <pc:chgData name="Riccardo Berta" userId="c8694f89-bba4-4576-b0a8-456619ca5a8c" providerId="ADAL" clId="{F4AAAA8C-1CB2-214C-996A-F15BCA6CB64E}" dt="2022-07-29T16:21:50.628" v="2975" actId="1076"/>
-        <pc:sldMkLst>
-          <pc:docMk/>
-          <pc:sldMk cId="216455838" sldId="267"/>
-        </pc:sldMkLst>
-        <pc:spChg chg="mod">
-          <ac:chgData name="Riccardo Berta" userId="c8694f89-bba4-4576-b0a8-456619ca5a8c" providerId="ADAL" clId="{F4AAAA8C-1CB2-214C-996A-F15BCA6CB64E}" dt="2022-07-29T16:21:40.165" v="2974" actId="20577"/>
-          <ac:spMkLst>
-            <pc:docMk/>
-            <pc:sldMk cId="216455838" sldId="267"/>
-            <ac:spMk id="83" creationId="{00000000-0000-0000-0000-000000000000}"/>
-          </ac:spMkLst>
-        </pc:spChg>
-        <pc:spChg chg="mod">
-          <ac:chgData name="Riccardo Berta" userId="c8694f89-bba4-4576-b0a8-456619ca5a8c" providerId="ADAL" clId="{F4AAAA8C-1CB2-214C-996A-F15BCA6CB64E}" dt="2022-07-29T16:21:04.813" v="2957" actId="20577"/>
-          <ac:spMkLst>
-            <pc:docMk/>
-            <pc:sldMk cId="216455838" sldId="267"/>
-            <ac:spMk id="84" creationId="{00000000-0000-0000-0000-000000000000}"/>
-          </ac:spMkLst>
-        </pc:spChg>
-        <pc:picChg chg="add del">
-          <ac:chgData name="Riccardo Berta" userId="c8694f89-bba4-4576-b0a8-456619ca5a8c" providerId="ADAL" clId="{F4AAAA8C-1CB2-214C-996A-F15BCA6CB64E}" dt="2022-07-29T15:53:24.645" v="2396" actId="478"/>
-          <ac:picMkLst>
-            <pc:docMk/>
-            <pc:sldMk cId="216455838" sldId="267"/>
-            <ac:picMk id="2" creationId="{F4FCEF60-8194-3CD6-BE60-E133D5DF313E}"/>
-          </ac:picMkLst>
-        </pc:picChg>
-        <pc:picChg chg="add mod">
-          <ac:chgData name="Riccardo Berta" userId="c8694f89-bba4-4576-b0a8-456619ca5a8c" providerId="ADAL" clId="{F4AAAA8C-1CB2-214C-996A-F15BCA6CB64E}" dt="2022-07-29T16:21:09.630" v="2958" actId="1076"/>
-          <ac:picMkLst>
-            <pc:docMk/>
-            <pc:sldMk cId="216455838" sldId="267"/>
-            <ac:picMk id="4" creationId="{E6F64BDC-73CD-7216-BA09-69DDCB93F9D4}"/>
-          </ac:picMkLst>
-        </pc:picChg>
-        <pc:picChg chg="add mod">
-          <ac:chgData name="Riccardo Berta" userId="c8694f89-bba4-4576-b0a8-456619ca5a8c" providerId="ADAL" clId="{F4AAAA8C-1CB2-214C-996A-F15BCA6CB64E}" dt="2022-07-29T16:21:50.628" v="2975" actId="1076"/>
-          <ac:picMkLst>
-            <pc:docMk/>
-            <pc:sldMk cId="216455838" sldId="267"/>
-            <ac:picMk id="5" creationId="{3ACC4B13-0F8B-1CAD-68C4-DF5DFDB1BD88}"/>
-          </ac:picMkLst>
-        </pc:picChg>
-      </pc:sldChg>
-      <pc:sldChg chg="modSp add mod">
-        <pc:chgData name="Riccardo Berta" userId="c8694f89-bba4-4576-b0a8-456619ca5a8c" providerId="ADAL" clId="{F4AAAA8C-1CB2-214C-996A-F15BCA6CB64E}" dt="2022-07-29T16:13:07.544" v="2873" actId="20577"/>
-        <pc:sldMkLst>
-          <pc:docMk/>
-          <pc:sldMk cId="925286286" sldId="268"/>
-        </pc:sldMkLst>
-        <pc:spChg chg="mod">
-          <ac:chgData name="Riccardo Berta" userId="c8694f89-bba4-4576-b0a8-456619ca5a8c" providerId="ADAL" clId="{F4AAAA8C-1CB2-214C-996A-F15BCA6CB64E}" dt="2022-07-29T16:00:31.322" v="2504"/>
-          <ac:spMkLst>
-            <pc:docMk/>
-            <pc:sldMk cId="925286286" sldId="268"/>
-            <ac:spMk id="83" creationId="{00000000-0000-0000-0000-000000000000}"/>
-          </ac:spMkLst>
-        </pc:spChg>
-        <pc:spChg chg="mod">
-          <ac:chgData name="Riccardo Berta" userId="c8694f89-bba4-4576-b0a8-456619ca5a8c" providerId="ADAL" clId="{F4AAAA8C-1CB2-214C-996A-F15BCA6CB64E}" dt="2022-07-29T16:13:07.544" v="2873" actId="20577"/>
-          <ac:spMkLst>
-            <pc:docMk/>
-            <pc:sldMk cId="925286286" sldId="268"/>
-            <ac:spMk id="84" creationId="{00000000-0000-0000-0000-000000000000}"/>
-          </ac:spMkLst>
-        </pc:spChg>
-      </pc:sldChg>
-      <pc:sldChg chg="addSp modSp add mod">
-        <pc:chgData name="Riccardo Berta" userId="c8694f89-bba4-4576-b0a8-456619ca5a8c" providerId="ADAL" clId="{F4AAAA8C-1CB2-214C-996A-F15BCA6CB64E}" dt="2022-07-29T16:20:35.039" v="2951" actId="962"/>
-        <pc:sldMkLst>
-          <pc:docMk/>
-          <pc:sldMk cId="3471997037" sldId="269"/>
-        </pc:sldMkLst>
-        <pc:spChg chg="mod">
-          <ac:chgData name="Riccardo Berta" userId="c8694f89-bba4-4576-b0a8-456619ca5a8c" providerId="ADAL" clId="{F4AAAA8C-1CB2-214C-996A-F15BCA6CB64E}" dt="2022-07-29T16:17:02.750" v="2922" actId="20577"/>
-          <ac:spMkLst>
-            <pc:docMk/>
-            <pc:sldMk cId="3471997037" sldId="269"/>
-            <ac:spMk id="83" creationId="{00000000-0000-0000-0000-000000000000}"/>
-          </ac:spMkLst>
-        </pc:spChg>
-        <pc:spChg chg="mod">
-          <ac:chgData name="Riccardo Berta" userId="c8694f89-bba4-4576-b0a8-456619ca5a8c" providerId="ADAL" clId="{F4AAAA8C-1CB2-214C-996A-F15BCA6CB64E}" dt="2022-07-29T16:18:45.638" v="2948" actId="20577"/>
-          <ac:spMkLst>
-            <pc:docMk/>
-            <pc:sldMk cId="3471997037" sldId="269"/>
-            <ac:spMk id="84" creationId="{00000000-0000-0000-0000-000000000000}"/>
-          </ac:spMkLst>
-        </pc:spChg>
-        <pc:picChg chg="add mod">
-          <ac:chgData name="Riccardo Berta" userId="c8694f89-bba4-4576-b0a8-456619ca5a8c" providerId="ADAL" clId="{F4AAAA8C-1CB2-214C-996A-F15BCA6CB64E}" dt="2022-07-29T16:20:35.039" v="2951" actId="962"/>
-          <ac:picMkLst>
-            <pc:docMk/>
-            <pc:sldMk cId="3471997037" sldId="269"/>
-            <ac:picMk id="3" creationId="{471AFF0B-7713-10C4-E8A3-3EDBC8FE0FD9}"/>
-          </ac:picMkLst>
-        </pc:picChg>
-      </pc:sldChg>
-      <pc:sldChg chg="add">
-        <pc:chgData name="Riccardo Berta" userId="c8694f89-bba4-4576-b0a8-456619ca5a8c" providerId="ADAL" clId="{F4AAAA8C-1CB2-214C-996A-F15BCA6CB64E}" dt="2022-07-28T14:01:20.148" v="1808"/>
-        <pc:sldMkLst>
-          <pc:docMk/>
-          <pc:sldMk cId="3130917410" sldId="270"/>
-        </pc:sldMkLst>
-      </pc:sldChg>
-      <pc:sldChg chg="add">
-        <pc:chgData name="Riccardo Berta" userId="c8694f89-bba4-4576-b0a8-456619ca5a8c" providerId="ADAL" clId="{F4AAAA8C-1CB2-214C-996A-F15BCA6CB64E}" dt="2022-07-28T14:01:20.483" v="1809"/>
-        <pc:sldMkLst>
-          <pc:docMk/>
-          <pc:sldMk cId="2266699268" sldId="271"/>
-        </pc:sldMkLst>
-      </pc:sldChg>
-    </pc:docChg>
-  </pc:docChgLst>
   <pc:docChgLst>
     <pc:chgData name="Riccardo Berta" userId="c8694f89-bba4-4576-b0a8-456619ca5a8c" providerId="ADAL" clId="{A8290FA7-622A-D149-8650-9DF3F18680D5}"/>
     <pc:docChg chg="undo redo custSel addSld delSld modSld sldOrd modMainMaster">
@@ -1773,6 +891,888 @@
           </pc:spChg>
         </pc:sldLayoutChg>
       </pc:sldMasterChg>
+    </pc:docChg>
+  </pc:docChgLst>
+  <pc:docChgLst>
+    <pc:chgData name="Riccardo Berta" userId="c8694f89-bba4-4576-b0a8-456619ca5a8c" providerId="ADAL" clId="{F4AAAA8C-1CB2-214C-996A-F15BCA6CB64E}"/>
+    <pc:docChg chg="undo custSel addSld delSld modSld">
+      <pc:chgData name="Riccardo Berta" userId="c8694f89-bba4-4576-b0a8-456619ca5a8c" providerId="ADAL" clId="{F4AAAA8C-1CB2-214C-996A-F15BCA6CB64E}" dt="2022-07-29T16:21:50.628" v="2975" actId="1076"/>
+      <pc:docMkLst>
+        <pc:docMk/>
+      </pc:docMkLst>
+      <pc:sldChg chg="modSp mod">
+        <pc:chgData name="Riccardo Berta" userId="c8694f89-bba4-4576-b0a8-456619ca5a8c" providerId="ADAL" clId="{F4AAAA8C-1CB2-214C-996A-F15BCA6CB64E}" dt="2022-07-27T13:37:29.445" v="2" actId="20577"/>
+        <pc:sldMkLst>
+          <pc:docMk/>
+          <pc:sldMk cId="0" sldId="256"/>
+        </pc:sldMkLst>
+        <pc:spChg chg="mod">
+          <ac:chgData name="Riccardo Berta" userId="c8694f89-bba4-4576-b0a8-456619ca5a8c" providerId="ADAL" clId="{F4AAAA8C-1CB2-214C-996A-F15BCA6CB64E}" dt="2022-07-27T13:37:29.445" v="2" actId="20577"/>
+          <ac:spMkLst>
+            <pc:docMk/>
+            <pc:sldMk cId="0" sldId="256"/>
+            <ac:spMk id="62" creationId="{00000000-0000-0000-0000-000000000000}"/>
+          </ac:spMkLst>
+        </pc:spChg>
+      </pc:sldChg>
+      <pc:sldChg chg="addSp modSp mod">
+        <pc:chgData name="Riccardo Berta" userId="c8694f89-bba4-4576-b0a8-456619ca5a8c" providerId="ADAL" clId="{F4AAAA8C-1CB2-214C-996A-F15BCA6CB64E}" dt="2022-07-27T13:43:23.760" v="162" actId="20577"/>
+        <pc:sldMkLst>
+          <pc:docMk/>
+          <pc:sldMk cId="0" sldId="257"/>
+        </pc:sldMkLst>
+        <pc:spChg chg="mod">
+          <ac:chgData name="Riccardo Berta" userId="c8694f89-bba4-4576-b0a8-456619ca5a8c" providerId="ADAL" clId="{F4AAAA8C-1CB2-214C-996A-F15BCA6CB64E}" dt="2022-07-27T13:38:19.538" v="24" actId="20577"/>
+          <ac:spMkLst>
+            <pc:docMk/>
+            <pc:sldMk cId="0" sldId="257"/>
+            <ac:spMk id="83" creationId="{00000000-0000-0000-0000-000000000000}"/>
+          </ac:spMkLst>
+        </pc:spChg>
+        <pc:spChg chg="mod">
+          <ac:chgData name="Riccardo Berta" userId="c8694f89-bba4-4576-b0a8-456619ca5a8c" providerId="ADAL" clId="{F4AAAA8C-1CB2-214C-996A-F15BCA6CB64E}" dt="2022-07-27T13:43:23.760" v="162" actId="20577"/>
+          <ac:spMkLst>
+            <pc:docMk/>
+            <pc:sldMk cId="0" sldId="257"/>
+            <ac:spMk id="84" creationId="{00000000-0000-0000-0000-000000000000}"/>
+          </ac:spMkLst>
+        </pc:spChg>
+        <pc:picChg chg="add mod">
+          <ac:chgData name="Riccardo Berta" userId="c8694f89-bba4-4576-b0a8-456619ca5a8c" providerId="ADAL" clId="{F4AAAA8C-1CB2-214C-996A-F15BCA6CB64E}" dt="2022-07-27T13:43:02.813" v="153" actId="1076"/>
+          <ac:picMkLst>
+            <pc:docMk/>
+            <pc:sldMk cId="0" sldId="257"/>
+            <ac:picMk id="3" creationId="{E337B85C-FAA8-CC41-92F2-13E0228E3B65}"/>
+          </ac:picMkLst>
+        </pc:picChg>
+      </pc:sldChg>
+      <pc:sldChg chg="modSp del">
+        <pc:chgData name="Riccardo Berta" userId="c8694f89-bba4-4576-b0a8-456619ca5a8c" providerId="ADAL" clId="{F4AAAA8C-1CB2-214C-996A-F15BCA6CB64E}" dt="2022-07-27T13:43:43.714" v="164" actId="2696"/>
+        <pc:sldMkLst>
+          <pc:docMk/>
+          <pc:sldMk cId="1899110855" sldId="258"/>
+        </pc:sldMkLst>
+        <pc:spChg chg="mod">
+          <ac:chgData name="Riccardo Berta" userId="c8694f89-bba4-4576-b0a8-456619ca5a8c" providerId="ADAL" clId="{F4AAAA8C-1CB2-214C-996A-F15BCA6CB64E}" dt="2022-07-27T13:43:40.189" v="163"/>
+          <ac:spMkLst>
+            <pc:docMk/>
+            <pc:sldMk cId="1899110855" sldId="258"/>
+            <ac:spMk id="2" creationId="{9A367158-2E24-E90C-7ECC-502AB323ED05}"/>
+          </ac:spMkLst>
+        </pc:spChg>
+      </pc:sldChg>
+      <pc:sldChg chg="addSp delSp modSp mod">
+        <pc:chgData name="Riccardo Berta" userId="c8694f89-bba4-4576-b0a8-456619ca5a8c" providerId="ADAL" clId="{F4AAAA8C-1CB2-214C-996A-F15BCA6CB64E}" dt="2022-07-29T16:13:43.411" v="2890" actId="20577"/>
+        <pc:sldMkLst>
+          <pc:docMk/>
+          <pc:sldMk cId="3018556184" sldId="259"/>
+        </pc:sldMkLst>
+        <pc:spChg chg="mod">
+          <ac:chgData name="Riccardo Berta" userId="c8694f89-bba4-4576-b0a8-456619ca5a8c" providerId="ADAL" clId="{F4AAAA8C-1CB2-214C-996A-F15BCA6CB64E}" dt="2022-07-29T16:13:43.411" v="2890" actId="20577"/>
+          <ac:spMkLst>
+            <pc:docMk/>
+            <pc:sldMk cId="3018556184" sldId="259"/>
+            <ac:spMk id="3" creationId="{38BFAA1C-1163-169B-2D77-6FEF73CC8512}"/>
+          </ac:spMkLst>
+        </pc:spChg>
+        <pc:picChg chg="add del mod">
+          <ac:chgData name="Riccardo Berta" userId="c8694f89-bba4-4576-b0a8-456619ca5a8c" providerId="ADAL" clId="{F4AAAA8C-1CB2-214C-996A-F15BCA6CB64E}" dt="2022-07-29T07:13:37.040" v="2021" actId="21"/>
+          <ac:picMkLst>
+            <pc:docMk/>
+            <pc:sldMk cId="3018556184" sldId="259"/>
+            <ac:picMk id="5" creationId="{3D57D188-F23C-A5F1-8770-234AC5C0F8CD}"/>
+          </ac:picMkLst>
+        </pc:picChg>
+      </pc:sldChg>
+      <pc:sldChg chg="del">
+        <pc:chgData name="Riccardo Berta" userId="c8694f89-bba4-4576-b0a8-456619ca5a8c" providerId="ADAL" clId="{F4AAAA8C-1CB2-214C-996A-F15BCA6CB64E}" dt="2022-07-27T13:43:45.045" v="165" actId="2696"/>
+        <pc:sldMkLst>
+          <pc:docMk/>
+          <pc:sldMk cId="1104208334" sldId="260"/>
+        </pc:sldMkLst>
+      </pc:sldChg>
+      <pc:sldChg chg="addSp delSp modSp add mod">
+        <pc:chgData name="Riccardo Berta" userId="c8694f89-bba4-4576-b0a8-456619ca5a8c" providerId="ADAL" clId="{F4AAAA8C-1CB2-214C-996A-F15BCA6CB64E}" dt="2022-07-28T05:47:21.216" v="337" actId="1076"/>
+        <pc:sldMkLst>
+          <pc:docMk/>
+          <pc:sldMk cId="2119751735" sldId="260"/>
+        </pc:sldMkLst>
+        <pc:spChg chg="mod">
+          <ac:chgData name="Riccardo Berta" userId="c8694f89-bba4-4576-b0a8-456619ca5a8c" providerId="ADAL" clId="{F4AAAA8C-1CB2-214C-996A-F15BCA6CB64E}" dt="2022-07-27T13:45:31.917" v="177" actId="20577"/>
+          <ac:spMkLst>
+            <pc:docMk/>
+            <pc:sldMk cId="2119751735" sldId="260"/>
+            <ac:spMk id="83" creationId="{00000000-0000-0000-0000-000000000000}"/>
+          </ac:spMkLst>
+        </pc:spChg>
+        <pc:spChg chg="mod">
+          <ac:chgData name="Riccardo Berta" userId="c8694f89-bba4-4576-b0a8-456619ca5a8c" providerId="ADAL" clId="{F4AAAA8C-1CB2-214C-996A-F15BCA6CB64E}" dt="2022-07-28T05:46:51.692" v="332" actId="20577"/>
+          <ac:spMkLst>
+            <pc:docMk/>
+            <pc:sldMk cId="2119751735" sldId="260"/>
+            <ac:spMk id="84" creationId="{00000000-0000-0000-0000-000000000000}"/>
+          </ac:spMkLst>
+        </pc:spChg>
+        <pc:grpChg chg="add mod">
+          <ac:chgData name="Riccardo Berta" userId="c8694f89-bba4-4576-b0a8-456619ca5a8c" providerId="ADAL" clId="{F4AAAA8C-1CB2-214C-996A-F15BCA6CB64E}" dt="2022-07-28T05:47:21.216" v="337" actId="1076"/>
+          <ac:grpSpMkLst>
+            <pc:docMk/>
+            <pc:sldMk cId="2119751735" sldId="260"/>
+            <ac:grpSpMk id="7" creationId="{489CA0CE-5F21-4BF4-5B0C-E98A8FC5FDD8}"/>
+          </ac:grpSpMkLst>
+        </pc:grpChg>
+        <pc:picChg chg="del">
+          <ac:chgData name="Riccardo Berta" userId="c8694f89-bba4-4576-b0a8-456619ca5a8c" providerId="ADAL" clId="{F4AAAA8C-1CB2-214C-996A-F15BCA6CB64E}" dt="2022-07-27T13:45:46.742" v="181" actId="478"/>
+          <ac:picMkLst>
+            <pc:docMk/>
+            <pc:sldMk cId="2119751735" sldId="260"/>
+            <ac:picMk id="3" creationId="{E337B85C-FAA8-CC41-92F2-13E0228E3B65}"/>
+          </ac:picMkLst>
+        </pc:picChg>
+        <pc:picChg chg="add mod">
+          <ac:chgData name="Riccardo Berta" userId="c8694f89-bba4-4576-b0a8-456619ca5a8c" providerId="ADAL" clId="{F4AAAA8C-1CB2-214C-996A-F15BCA6CB64E}" dt="2022-07-28T05:45:35.354" v="315" actId="164"/>
+          <ac:picMkLst>
+            <pc:docMk/>
+            <pc:sldMk cId="2119751735" sldId="260"/>
+            <ac:picMk id="4" creationId="{BEB555A5-8E8F-EF63-4BD5-BDB8C5B0448C}"/>
+          </ac:picMkLst>
+        </pc:picChg>
+        <pc:picChg chg="add mod">
+          <ac:chgData name="Riccardo Berta" userId="c8694f89-bba4-4576-b0a8-456619ca5a8c" providerId="ADAL" clId="{F4AAAA8C-1CB2-214C-996A-F15BCA6CB64E}" dt="2022-07-28T05:45:35.354" v="315" actId="164"/>
+          <ac:picMkLst>
+            <pc:docMk/>
+            <pc:sldMk cId="2119751735" sldId="260"/>
+            <ac:picMk id="6" creationId="{177C8D6D-02B1-C754-62AE-4DE123A1F0A3}"/>
+          </ac:picMkLst>
+        </pc:picChg>
+        <pc:picChg chg="add mod">
+          <ac:chgData name="Riccardo Berta" userId="c8694f89-bba4-4576-b0a8-456619ca5a8c" providerId="ADAL" clId="{F4AAAA8C-1CB2-214C-996A-F15BCA6CB64E}" dt="2022-07-28T05:47:04.885" v="335" actId="167"/>
+          <ac:picMkLst>
+            <pc:docMk/>
+            <pc:sldMk cId="2119751735" sldId="260"/>
+            <ac:picMk id="9" creationId="{B47B7D50-84FB-AA7F-8A99-66D4AF7E0E9D}"/>
+          </ac:picMkLst>
+        </pc:picChg>
+      </pc:sldChg>
+      <pc:sldChg chg="del">
+        <pc:chgData name="Riccardo Berta" userId="c8694f89-bba4-4576-b0a8-456619ca5a8c" providerId="ADAL" clId="{F4AAAA8C-1CB2-214C-996A-F15BCA6CB64E}" dt="2022-07-27T13:43:46.058" v="166" actId="2696"/>
+        <pc:sldMkLst>
+          <pc:docMk/>
+          <pc:sldMk cId="1290395919" sldId="261"/>
+        </pc:sldMkLst>
+      </pc:sldChg>
+      <pc:sldChg chg="delSp modSp add mod">
+        <pc:chgData name="Riccardo Berta" userId="c8694f89-bba4-4576-b0a8-456619ca5a8c" providerId="ADAL" clId="{F4AAAA8C-1CB2-214C-996A-F15BCA6CB64E}" dt="2022-07-28T06:08:36.900" v="979" actId="20577"/>
+        <pc:sldMkLst>
+          <pc:docMk/>
+          <pc:sldMk cId="2389937581" sldId="261"/>
+        </pc:sldMkLst>
+        <pc:spChg chg="mod">
+          <ac:chgData name="Riccardo Berta" userId="c8694f89-bba4-4576-b0a8-456619ca5a8c" providerId="ADAL" clId="{F4AAAA8C-1CB2-214C-996A-F15BCA6CB64E}" dt="2022-07-28T05:48:31.210" v="384" actId="20577"/>
+          <ac:spMkLst>
+            <pc:docMk/>
+            <pc:sldMk cId="2389937581" sldId="261"/>
+            <ac:spMk id="83" creationId="{00000000-0000-0000-0000-000000000000}"/>
+          </ac:spMkLst>
+        </pc:spChg>
+        <pc:spChg chg="mod">
+          <ac:chgData name="Riccardo Berta" userId="c8694f89-bba4-4576-b0a8-456619ca5a8c" providerId="ADAL" clId="{F4AAAA8C-1CB2-214C-996A-F15BCA6CB64E}" dt="2022-07-28T06:08:36.900" v="979" actId="20577"/>
+          <ac:spMkLst>
+            <pc:docMk/>
+            <pc:sldMk cId="2389937581" sldId="261"/>
+            <ac:spMk id="84" creationId="{00000000-0000-0000-0000-000000000000}"/>
+          </ac:spMkLst>
+        </pc:spChg>
+        <pc:picChg chg="del">
+          <ac:chgData name="Riccardo Berta" userId="c8694f89-bba4-4576-b0a8-456619ca5a8c" providerId="ADAL" clId="{F4AAAA8C-1CB2-214C-996A-F15BCA6CB64E}" dt="2022-07-28T05:48:38.627" v="386" actId="478"/>
+          <ac:picMkLst>
+            <pc:docMk/>
+            <pc:sldMk cId="2389937581" sldId="261"/>
+            <ac:picMk id="3" creationId="{E337B85C-FAA8-CC41-92F2-13E0228E3B65}"/>
+          </ac:picMkLst>
+        </pc:picChg>
+      </pc:sldChg>
+      <pc:sldChg chg="addSp delSp modSp add mod">
+        <pc:chgData name="Riccardo Berta" userId="c8694f89-bba4-4576-b0a8-456619ca5a8c" providerId="ADAL" clId="{F4AAAA8C-1CB2-214C-996A-F15BCA6CB64E}" dt="2022-07-28T06:20:33.799" v="1324" actId="58"/>
+        <pc:sldMkLst>
+          <pc:docMk/>
+          <pc:sldMk cId="1270389364" sldId="262"/>
+        </pc:sldMkLst>
+        <pc:spChg chg="mod">
+          <ac:chgData name="Riccardo Berta" userId="c8694f89-bba4-4576-b0a8-456619ca5a8c" providerId="ADAL" clId="{F4AAAA8C-1CB2-214C-996A-F15BCA6CB64E}" dt="2022-07-28T06:09:05.210" v="991" actId="20577"/>
+          <ac:spMkLst>
+            <pc:docMk/>
+            <pc:sldMk cId="1270389364" sldId="262"/>
+            <ac:spMk id="83" creationId="{00000000-0000-0000-0000-000000000000}"/>
+          </ac:spMkLst>
+        </pc:spChg>
+        <pc:spChg chg="mod">
+          <ac:chgData name="Riccardo Berta" userId="c8694f89-bba4-4576-b0a8-456619ca5a8c" providerId="ADAL" clId="{F4AAAA8C-1CB2-214C-996A-F15BCA6CB64E}" dt="2022-07-28T06:20:33.799" v="1324" actId="58"/>
+          <ac:spMkLst>
+            <pc:docMk/>
+            <pc:sldMk cId="1270389364" sldId="262"/>
+            <ac:spMk id="84" creationId="{00000000-0000-0000-0000-000000000000}"/>
+          </ac:spMkLst>
+        </pc:spChg>
+        <pc:picChg chg="del">
+          <ac:chgData name="Riccardo Berta" userId="c8694f89-bba4-4576-b0a8-456619ca5a8c" providerId="ADAL" clId="{F4AAAA8C-1CB2-214C-996A-F15BCA6CB64E}" dt="2022-07-28T06:09:15.678" v="996" actId="478"/>
+          <ac:picMkLst>
+            <pc:docMk/>
+            <pc:sldMk cId="1270389364" sldId="262"/>
+            <ac:picMk id="3" creationId="{E337B85C-FAA8-CC41-92F2-13E0228E3B65}"/>
+          </ac:picMkLst>
+        </pc:picChg>
+        <pc:picChg chg="add mod">
+          <ac:chgData name="Riccardo Berta" userId="c8694f89-bba4-4576-b0a8-456619ca5a8c" providerId="ADAL" clId="{F4AAAA8C-1CB2-214C-996A-F15BCA6CB64E}" dt="2022-07-28T06:17:50.208" v="1230" actId="1036"/>
+          <ac:picMkLst>
+            <pc:docMk/>
+            <pc:sldMk cId="1270389364" sldId="262"/>
+            <ac:picMk id="4" creationId="{AB9A4B8B-5326-C7E4-06B6-378D995D5B26}"/>
+          </ac:picMkLst>
+        </pc:picChg>
+      </pc:sldChg>
+      <pc:sldChg chg="del">
+        <pc:chgData name="Riccardo Berta" userId="c8694f89-bba4-4576-b0a8-456619ca5a8c" providerId="ADAL" clId="{F4AAAA8C-1CB2-214C-996A-F15BCA6CB64E}" dt="2022-07-27T13:43:47.251" v="167" actId="2696"/>
+        <pc:sldMkLst>
+          <pc:docMk/>
+          <pc:sldMk cId="4130549615" sldId="262"/>
+        </pc:sldMkLst>
+      </pc:sldChg>
+      <pc:sldChg chg="modSp add mod">
+        <pc:chgData name="Riccardo Berta" userId="c8694f89-bba4-4576-b0a8-456619ca5a8c" providerId="ADAL" clId="{F4AAAA8C-1CB2-214C-996A-F15BCA6CB64E}" dt="2022-07-29T07:18:15.970" v="2126" actId="1076"/>
+        <pc:sldMkLst>
+          <pc:docMk/>
+          <pc:sldMk cId="2644872656" sldId="263"/>
+        </pc:sldMkLst>
+        <pc:spChg chg="mod">
+          <ac:chgData name="Riccardo Berta" userId="c8694f89-bba4-4576-b0a8-456619ca5a8c" providerId="ADAL" clId="{F4AAAA8C-1CB2-214C-996A-F15BCA6CB64E}" dt="2022-07-28T13:41:46.191" v="1354" actId="20577"/>
+          <ac:spMkLst>
+            <pc:docMk/>
+            <pc:sldMk cId="2644872656" sldId="263"/>
+            <ac:spMk id="83" creationId="{00000000-0000-0000-0000-000000000000}"/>
+          </ac:spMkLst>
+        </pc:spChg>
+        <pc:spChg chg="mod">
+          <ac:chgData name="Riccardo Berta" userId="c8694f89-bba4-4576-b0a8-456619ca5a8c" providerId="ADAL" clId="{F4AAAA8C-1CB2-214C-996A-F15BCA6CB64E}" dt="2022-07-29T07:18:15.970" v="2126" actId="1076"/>
+          <ac:spMkLst>
+            <pc:docMk/>
+            <pc:sldMk cId="2644872656" sldId="263"/>
+            <ac:spMk id="84" creationId="{00000000-0000-0000-0000-000000000000}"/>
+          </ac:spMkLst>
+        </pc:spChg>
+      </pc:sldChg>
+      <pc:sldChg chg="del">
+        <pc:chgData name="Riccardo Berta" userId="c8694f89-bba4-4576-b0a8-456619ca5a8c" providerId="ADAL" clId="{F4AAAA8C-1CB2-214C-996A-F15BCA6CB64E}" dt="2022-07-27T13:43:48.139" v="168" actId="2696"/>
+        <pc:sldMkLst>
+          <pc:docMk/>
+          <pc:sldMk cId="3102138681" sldId="263"/>
+        </pc:sldMkLst>
+      </pc:sldChg>
+      <pc:sldChg chg="modSp add mod">
+        <pc:chgData name="Riccardo Berta" userId="c8694f89-bba4-4576-b0a8-456619ca5a8c" providerId="ADAL" clId="{F4AAAA8C-1CB2-214C-996A-F15BCA6CB64E}" dt="2022-07-28T13:59:43.403" v="1794" actId="20577"/>
+        <pc:sldMkLst>
+          <pc:docMk/>
+          <pc:sldMk cId="1681389695" sldId="264"/>
+        </pc:sldMkLst>
+        <pc:spChg chg="mod">
+          <ac:chgData name="Riccardo Berta" userId="c8694f89-bba4-4576-b0a8-456619ca5a8c" providerId="ADAL" clId="{F4AAAA8C-1CB2-214C-996A-F15BCA6CB64E}" dt="2022-07-28T13:55:27.771" v="1667" actId="20577"/>
+          <ac:spMkLst>
+            <pc:docMk/>
+            <pc:sldMk cId="1681389695" sldId="264"/>
+            <ac:spMk id="83" creationId="{00000000-0000-0000-0000-000000000000}"/>
+          </ac:spMkLst>
+        </pc:spChg>
+        <pc:spChg chg="mod">
+          <ac:chgData name="Riccardo Berta" userId="c8694f89-bba4-4576-b0a8-456619ca5a8c" providerId="ADAL" clId="{F4AAAA8C-1CB2-214C-996A-F15BCA6CB64E}" dt="2022-07-28T13:59:43.403" v="1794" actId="20577"/>
+          <ac:spMkLst>
+            <pc:docMk/>
+            <pc:sldMk cId="1681389695" sldId="264"/>
+            <ac:spMk id="84" creationId="{00000000-0000-0000-0000-000000000000}"/>
+          </ac:spMkLst>
+        </pc:spChg>
+      </pc:sldChg>
+      <pc:sldChg chg="del">
+        <pc:chgData name="Riccardo Berta" userId="c8694f89-bba4-4576-b0a8-456619ca5a8c" providerId="ADAL" clId="{F4AAAA8C-1CB2-214C-996A-F15BCA6CB64E}" dt="2022-07-27T13:43:49.652" v="169" actId="2696"/>
+        <pc:sldMkLst>
+          <pc:docMk/>
+          <pc:sldMk cId="2113557187" sldId="264"/>
+        </pc:sldMkLst>
+      </pc:sldChg>
+      <pc:sldChg chg="del">
+        <pc:chgData name="Riccardo Berta" userId="c8694f89-bba4-4576-b0a8-456619ca5a8c" providerId="ADAL" clId="{F4AAAA8C-1CB2-214C-996A-F15BCA6CB64E}" dt="2022-07-27T13:43:57.658" v="170" actId="2696"/>
+        <pc:sldMkLst>
+          <pc:docMk/>
+          <pc:sldMk cId="2045385232" sldId="265"/>
+        </pc:sldMkLst>
+      </pc:sldChg>
+      <pc:sldChg chg="addSp modSp add mod">
+        <pc:chgData name="Riccardo Berta" userId="c8694f89-bba4-4576-b0a8-456619ca5a8c" providerId="ADAL" clId="{F4AAAA8C-1CB2-214C-996A-F15BCA6CB64E}" dt="2022-07-29T07:15:19.612" v="2059" actId="1037"/>
+        <pc:sldMkLst>
+          <pc:docMk/>
+          <pc:sldMk cId="2862573505" sldId="265"/>
+        </pc:sldMkLst>
+        <pc:spChg chg="mod">
+          <ac:chgData name="Riccardo Berta" userId="c8694f89-bba4-4576-b0a8-456619ca5a8c" providerId="ADAL" clId="{F4AAAA8C-1CB2-214C-996A-F15BCA6CB64E}" dt="2022-07-28T14:01:34.242" v="1824" actId="20577"/>
+          <ac:spMkLst>
+            <pc:docMk/>
+            <pc:sldMk cId="2862573505" sldId="265"/>
+            <ac:spMk id="83" creationId="{00000000-0000-0000-0000-000000000000}"/>
+          </ac:spMkLst>
+        </pc:spChg>
+        <pc:spChg chg="mod">
+          <ac:chgData name="Riccardo Berta" userId="c8694f89-bba4-4576-b0a8-456619ca5a8c" providerId="ADAL" clId="{F4AAAA8C-1CB2-214C-996A-F15BCA6CB64E}" dt="2022-07-29T07:14:51.920" v="2043" actId="1076"/>
+          <ac:spMkLst>
+            <pc:docMk/>
+            <pc:sldMk cId="2862573505" sldId="265"/>
+            <ac:spMk id="84" creationId="{00000000-0000-0000-0000-000000000000}"/>
+          </ac:spMkLst>
+        </pc:spChg>
+        <pc:picChg chg="add mod">
+          <ac:chgData name="Riccardo Berta" userId="c8694f89-bba4-4576-b0a8-456619ca5a8c" providerId="ADAL" clId="{F4AAAA8C-1CB2-214C-996A-F15BCA6CB64E}" dt="2022-07-29T07:14:07.899" v="2027" actId="1076"/>
+          <ac:picMkLst>
+            <pc:docMk/>
+            <pc:sldMk cId="2862573505" sldId="265"/>
+            <ac:picMk id="3" creationId="{E5BCAA50-F768-A24F-D65F-DC7B97A8A06C}"/>
+          </ac:picMkLst>
+        </pc:picChg>
+        <pc:picChg chg="add mod">
+          <ac:chgData name="Riccardo Berta" userId="c8694f89-bba4-4576-b0a8-456619ca5a8c" providerId="ADAL" clId="{F4AAAA8C-1CB2-214C-996A-F15BCA6CB64E}" dt="2022-07-29T07:15:19.612" v="2059" actId="1037"/>
+          <ac:picMkLst>
+            <pc:docMk/>
+            <pc:sldMk cId="2862573505" sldId="265"/>
+            <ac:picMk id="5" creationId="{743A1BA3-6E04-AB8A-9650-4CD776CB6A72}"/>
+          </ac:picMkLst>
+        </pc:picChg>
+        <pc:picChg chg="add mod">
+          <ac:chgData name="Riccardo Berta" userId="c8694f89-bba4-4576-b0a8-456619ca5a8c" providerId="ADAL" clId="{F4AAAA8C-1CB2-214C-996A-F15BCA6CB64E}" dt="2022-07-29T07:15:08.710" v="2051" actId="1037"/>
+          <ac:picMkLst>
+            <pc:docMk/>
+            <pc:sldMk cId="2862573505" sldId="265"/>
+            <ac:picMk id="6" creationId="{9C1ABB64-8085-F0EF-1388-6AF4DB3909BB}"/>
+          </ac:picMkLst>
+        </pc:picChg>
+      </pc:sldChg>
+      <pc:sldChg chg="modSp add mod">
+        <pc:chgData name="Riccardo Berta" userId="c8694f89-bba4-4576-b0a8-456619ca5a8c" providerId="ADAL" clId="{F4AAAA8C-1CB2-214C-996A-F15BCA6CB64E}" dt="2022-07-29T15:42:16.243" v="2364" actId="404"/>
+        <pc:sldMkLst>
+          <pc:docMk/>
+          <pc:sldMk cId="4181844165" sldId="266"/>
+        </pc:sldMkLst>
+        <pc:spChg chg="mod">
+          <ac:chgData name="Riccardo Berta" userId="c8694f89-bba4-4576-b0a8-456619ca5a8c" providerId="ADAL" clId="{F4AAAA8C-1CB2-214C-996A-F15BCA6CB64E}" dt="2022-07-29T07:11:57.611" v="2016"/>
+          <ac:spMkLst>
+            <pc:docMk/>
+            <pc:sldMk cId="4181844165" sldId="266"/>
+            <ac:spMk id="83" creationId="{00000000-0000-0000-0000-000000000000}"/>
+          </ac:spMkLst>
+        </pc:spChg>
+        <pc:spChg chg="mod">
+          <ac:chgData name="Riccardo Berta" userId="c8694f89-bba4-4576-b0a8-456619ca5a8c" providerId="ADAL" clId="{F4AAAA8C-1CB2-214C-996A-F15BCA6CB64E}" dt="2022-07-29T15:42:16.243" v="2364" actId="404"/>
+          <ac:spMkLst>
+            <pc:docMk/>
+            <pc:sldMk cId="4181844165" sldId="266"/>
+            <ac:spMk id="84" creationId="{00000000-0000-0000-0000-000000000000}"/>
+          </ac:spMkLst>
+        </pc:spChg>
+      </pc:sldChg>
+      <pc:sldChg chg="addSp delSp modSp add mod">
+        <pc:chgData name="Riccardo Berta" userId="c8694f89-bba4-4576-b0a8-456619ca5a8c" providerId="ADAL" clId="{F4AAAA8C-1CB2-214C-996A-F15BCA6CB64E}" dt="2022-07-29T16:21:50.628" v="2975" actId="1076"/>
+        <pc:sldMkLst>
+          <pc:docMk/>
+          <pc:sldMk cId="216455838" sldId="267"/>
+        </pc:sldMkLst>
+        <pc:spChg chg="mod">
+          <ac:chgData name="Riccardo Berta" userId="c8694f89-bba4-4576-b0a8-456619ca5a8c" providerId="ADAL" clId="{F4AAAA8C-1CB2-214C-996A-F15BCA6CB64E}" dt="2022-07-29T16:21:40.165" v="2974" actId="20577"/>
+          <ac:spMkLst>
+            <pc:docMk/>
+            <pc:sldMk cId="216455838" sldId="267"/>
+            <ac:spMk id="83" creationId="{00000000-0000-0000-0000-000000000000}"/>
+          </ac:spMkLst>
+        </pc:spChg>
+        <pc:spChg chg="mod">
+          <ac:chgData name="Riccardo Berta" userId="c8694f89-bba4-4576-b0a8-456619ca5a8c" providerId="ADAL" clId="{F4AAAA8C-1CB2-214C-996A-F15BCA6CB64E}" dt="2022-07-29T16:21:04.813" v="2957" actId="20577"/>
+          <ac:spMkLst>
+            <pc:docMk/>
+            <pc:sldMk cId="216455838" sldId="267"/>
+            <ac:spMk id="84" creationId="{00000000-0000-0000-0000-000000000000}"/>
+          </ac:spMkLst>
+        </pc:spChg>
+        <pc:picChg chg="add del">
+          <ac:chgData name="Riccardo Berta" userId="c8694f89-bba4-4576-b0a8-456619ca5a8c" providerId="ADAL" clId="{F4AAAA8C-1CB2-214C-996A-F15BCA6CB64E}" dt="2022-07-29T15:53:24.645" v="2396" actId="478"/>
+          <ac:picMkLst>
+            <pc:docMk/>
+            <pc:sldMk cId="216455838" sldId="267"/>
+            <ac:picMk id="2" creationId="{F4FCEF60-8194-3CD6-BE60-E133D5DF313E}"/>
+          </ac:picMkLst>
+        </pc:picChg>
+        <pc:picChg chg="add mod">
+          <ac:chgData name="Riccardo Berta" userId="c8694f89-bba4-4576-b0a8-456619ca5a8c" providerId="ADAL" clId="{F4AAAA8C-1CB2-214C-996A-F15BCA6CB64E}" dt="2022-07-29T16:21:09.630" v="2958" actId="1076"/>
+          <ac:picMkLst>
+            <pc:docMk/>
+            <pc:sldMk cId="216455838" sldId="267"/>
+            <ac:picMk id="4" creationId="{E6F64BDC-73CD-7216-BA09-69DDCB93F9D4}"/>
+          </ac:picMkLst>
+        </pc:picChg>
+        <pc:picChg chg="add mod">
+          <ac:chgData name="Riccardo Berta" userId="c8694f89-bba4-4576-b0a8-456619ca5a8c" providerId="ADAL" clId="{F4AAAA8C-1CB2-214C-996A-F15BCA6CB64E}" dt="2022-07-29T16:21:50.628" v="2975" actId="1076"/>
+          <ac:picMkLst>
+            <pc:docMk/>
+            <pc:sldMk cId="216455838" sldId="267"/>
+            <ac:picMk id="5" creationId="{3ACC4B13-0F8B-1CAD-68C4-DF5DFDB1BD88}"/>
+          </ac:picMkLst>
+        </pc:picChg>
+      </pc:sldChg>
+      <pc:sldChg chg="modSp add mod">
+        <pc:chgData name="Riccardo Berta" userId="c8694f89-bba4-4576-b0a8-456619ca5a8c" providerId="ADAL" clId="{F4AAAA8C-1CB2-214C-996A-F15BCA6CB64E}" dt="2022-07-29T16:13:07.544" v="2873" actId="20577"/>
+        <pc:sldMkLst>
+          <pc:docMk/>
+          <pc:sldMk cId="925286286" sldId="268"/>
+        </pc:sldMkLst>
+        <pc:spChg chg="mod">
+          <ac:chgData name="Riccardo Berta" userId="c8694f89-bba4-4576-b0a8-456619ca5a8c" providerId="ADAL" clId="{F4AAAA8C-1CB2-214C-996A-F15BCA6CB64E}" dt="2022-07-29T16:00:31.322" v="2504"/>
+          <ac:spMkLst>
+            <pc:docMk/>
+            <pc:sldMk cId="925286286" sldId="268"/>
+            <ac:spMk id="83" creationId="{00000000-0000-0000-0000-000000000000}"/>
+          </ac:spMkLst>
+        </pc:spChg>
+        <pc:spChg chg="mod">
+          <ac:chgData name="Riccardo Berta" userId="c8694f89-bba4-4576-b0a8-456619ca5a8c" providerId="ADAL" clId="{F4AAAA8C-1CB2-214C-996A-F15BCA6CB64E}" dt="2022-07-29T16:13:07.544" v="2873" actId="20577"/>
+          <ac:spMkLst>
+            <pc:docMk/>
+            <pc:sldMk cId="925286286" sldId="268"/>
+            <ac:spMk id="84" creationId="{00000000-0000-0000-0000-000000000000}"/>
+          </ac:spMkLst>
+        </pc:spChg>
+      </pc:sldChg>
+      <pc:sldChg chg="addSp modSp add mod">
+        <pc:chgData name="Riccardo Berta" userId="c8694f89-bba4-4576-b0a8-456619ca5a8c" providerId="ADAL" clId="{F4AAAA8C-1CB2-214C-996A-F15BCA6CB64E}" dt="2022-07-29T16:20:35.039" v="2951" actId="962"/>
+        <pc:sldMkLst>
+          <pc:docMk/>
+          <pc:sldMk cId="3471997037" sldId="269"/>
+        </pc:sldMkLst>
+        <pc:spChg chg="mod">
+          <ac:chgData name="Riccardo Berta" userId="c8694f89-bba4-4576-b0a8-456619ca5a8c" providerId="ADAL" clId="{F4AAAA8C-1CB2-214C-996A-F15BCA6CB64E}" dt="2022-07-29T16:17:02.750" v="2922" actId="20577"/>
+          <ac:spMkLst>
+            <pc:docMk/>
+            <pc:sldMk cId="3471997037" sldId="269"/>
+            <ac:spMk id="83" creationId="{00000000-0000-0000-0000-000000000000}"/>
+          </ac:spMkLst>
+        </pc:spChg>
+        <pc:spChg chg="mod">
+          <ac:chgData name="Riccardo Berta" userId="c8694f89-bba4-4576-b0a8-456619ca5a8c" providerId="ADAL" clId="{F4AAAA8C-1CB2-214C-996A-F15BCA6CB64E}" dt="2022-07-29T16:18:45.638" v="2948" actId="20577"/>
+          <ac:spMkLst>
+            <pc:docMk/>
+            <pc:sldMk cId="3471997037" sldId="269"/>
+            <ac:spMk id="84" creationId="{00000000-0000-0000-0000-000000000000}"/>
+          </ac:spMkLst>
+        </pc:spChg>
+        <pc:picChg chg="add mod">
+          <ac:chgData name="Riccardo Berta" userId="c8694f89-bba4-4576-b0a8-456619ca5a8c" providerId="ADAL" clId="{F4AAAA8C-1CB2-214C-996A-F15BCA6CB64E}" dt="2022-07-29T16:20:35.039" v="2951" actId="962"/>
+          <ac:picMkLst>
+            <pc:docMk/>
+            <pc:sldMk cId="3471997037" sldId="269"/>
+            <ac:picMk id="3" creationId="{471AFF0B-7713-10C4-E8A3-3EDBC8FE0FD9}"/>
+          </ac:picMkLst>
+        </pc:picChg>
+      </pc:sldChg>
+      <pc:sldChg chg="add">
+        <pc:chgData name="Riccardo Berta" userId="c8694f89-bba4-4576-b0a8-456619ca5a8c" providerId="ADAL" clId="{F4AAAA8C-1CB2-214C-996A-F15BCA6CB64E}" dt="2022-07-28T14:01:20.148" v="1808"/>
+        <pc:sldMkLst>
+          <pc:docMk/>
+          <pc:sldMk cId="3130917410" sldId="270"/>
+        </pc:sldMkLst>
+      </pc:sldChg>
+      <pc:sldChg chg="add">
+        <pc:chgData name="Riccardo Berta" userId="c8694f89-bba4-4576-b0a8-456619ca5a8c" providerId="ADAL" clId="{F4AAAA8C-1CB2-214C-996A-F15BCA6CB64E}" dt="2022-07-28T14:01:20.483" v="1809"/>
+        <pc:sldMkLst>
+          <pc:docMk/>
+          <pc:sldMk cId="2266699268" sldId="271"/>
+        </pc:sldMkLst>
+      </pc:sldChg>
+    </pc:docChg>
+  </pc:docChgLst>
+  <pc:docChgLst>
+    <pc:chgData name="Riccardo Berta" userId="c8694f89-bba4-4576-b0a8-456619ca5a8c" providerId="ADAL" clId="{35C5D11B-424E-5B41-A9C4-509DD0A59BFD}"/>
+    <pc:docChg chg="custSel delSld modSld sldOrd">
+      <pc:chgData name="Riccardo Berta" userId="c8694f89-bba4-4576-b0a8-456619ca5a8c" providerId="ADAL" clId="{35C5D11B-424E-5B41-A9C4-509DD0A59BFD}" dt="2022-04-01T12:12:56.906" v="135" actId="20577"/>
+      <pc:docMkLst>
+        <pc:docMk/>
+      </pc:docMkLst>
+      <pc:sldChg chg="modSp">
+        <pc:chgData name="Riccardo Berta" userId="c8694f89-bba4-4576-b0a8-456619ca5a8c" providerId="ADAL" clId="{35C5D11B-424E-5B41-A9C4-509DD0A59BFD}" dt="2022-03-22T07:34:03.014" v="5"/>
+        <pc:sldMkLst>
+          <pc:docMk/>
+          <pc:sldMk cId="0" sldId="257"/>
+        </pc:sldMkLst>
+        <pc:picChg chg="mod">
+          <ac:chgData name="Riccardo Berta" userId="c8694f89-bba4-4576-b0a8-456619ca5a8c" providerId="ADAL" clId="{35C5D11B-424E-5B41-A9C4-509DD0A59BFD}" dt="2022-03-22T07:34:03.014" v="5"/>
+          <ac:picMkLst>
+            <pc:docMk/>
+            <pc:sldMk cId="0" sldId="257"/>
+            <ac:picMk id="85" creationId="{00000000-0000-0000-0000-000000000000}"/>
+          </ac:picMkLst>
+        </pc:picChg>
+      </pc:sldChg>
+      <pc:sldChg chg="modSp">
+        <pc:chgData name="Riccardo Berta" userId="c8694f89-bba4-4576-b0a8-456619ca5a8c" providerId="ADAL" clId="{35C5D11B-424E-5B41-A9C4-509DD0A59BFD}" dt="2022-03-22T07:34:23.187" v="6"/>
+        <pc:sldMkLst>
+          <pc:docMk/>
+          <pc:sldMk cId="1899110855" sldId="258"/>
+        </pc:sldMkLst>
+        <pc:picChg chg="mod">
+          <ac:chgData name="Riccardo Berta" userId="c8694f89-bba4-4576-b0a8-456619ca5a8c" providerId="ADAL" clId="{35C5D11B-424E-5B41-A9C4-509DD0A59BFD}" dt="2022-03-22T07:34:23.187" v="6"/>
+          <ac:picMkLst>
+            <pc:docMk/>
+            <pc:sldMk cId="1899110855" sldId="258"/>
+            <ac:picMk id="92" creationId="{00000000-0000-0000-0000-000000000000}"/>
+          </ac:picMkLst>
+        </pc:picChg>
+      </pc:sldChg>
+      <pc:sldChg chg="modSp">
+        <pc:chgData name="Riccardo Berta" userId="c8694f89-bba4-4576-b0a8-456619ca5a8c" providerId="ADAL" clId="{35C5D11B-424E-5B41-A9C4-509DD0A59BFD}" dt="2022-03-22T07:39:20.191" v="16"/>
+        <pc:sldMkLst>
+          <pc:docMk/>
+          <pc:sldMk cId="3018556184" sldId="259"/>
+        </pc:sldMkLst>
+        <pc:picChg chg="mod">
+          <ac:chgData name="Riccardo Berta" userId="c8694f89-bba4-4576-b0a8-456619ca5a8c" providerId="ADAL" clId="{35C5D11B-424E-5B41-A9C4-509DD0A59BFD}" dt="2022-03-22T07:38:22.524" v="12"/>
+          <ac:picMkLst>
+            <pc:docMk/>
+            <pc:sldMk cId="3018556184" sldId="259"/>
+            <ac:picMk id="99" creationId="{00000000-0000-0000-0000-000000000000}"/>
+          </ac:picMkLst>
+        </pc:picChg>
+        <pc:picChg chg="mod">
+          <ac:chgData name="Riccardo Berta" userId="c8694f89-bba4-4576-b0a8-456619ca5a8c" providerId="ADAL" clId="{35C5D11B-424E-5B41-A9C4-509DD0A59BFD}" dt="2022-03-22T07:38:34.539" v="13"/>
+          <ac:picMkLst>
+            <pc:docMk/>
+            <pc:sldMk cId="3018556184" sldId="259"/>
+            <ac:picMk id="100" creationId="{00000000-0000-0000-0000-000000000000}"/>
+          </ac:picMkLst>
+        </pc:picChg>
+        <pc:picChg chg="mod">
+          <ac:chgData name="Riccardo Berta" userId="c8694f89-bba4-4576-b0a8-456619ca5a8c" providerId="ADAL" clId="{35C5D11B-424E-5B41-A9C4-509DD0A59BFD}" dt="2022-03-22T07:38:47.480" v="14"/>
+          <ac:picMkLst>
+            <pc:docMk/>
+            <pc:sldMk cId="3018556184" sldId="259"/>
+            <ac:picMk id="101" creationId="{00000000-0000-0000-0000-000000000000}"/>
+          </ac:picMkLst>
+        </pc:picChg>
+        <pc:picChg chg="mod">
+          <ac:chgData name="Riccardo Berta" userId="c8694f89-bba4-4576-b0a8-456619ca5a8c" providerId="ADAL" clId="{35C5D11B-424E-5B41-A9C4-509DD0A59BFD}" dt="2022-03-22T07:38:59.538" v="15"/>
+          <ac:picMkLst>
+            <pc:docMk/>
+            <pc:sldMk cId="3018556184" sldId="259"/>
+            <ac:picMk id="102" creationId="{00000000-0000-0000-0000-000000000000}"/>
+          </ac:picMkLst>
+        </pc:picChg>
+        <pc:picChg chg="mod">
+          <ac:chgData name="Riccardo Berta" userId="c8694f89-bba4-4576-b0a8-456619ca5a8c" providerId="ADAL" clId="{35C5D11B-424E-5B41-A9C4-509DD0A59BFD}" dt="2022-03-22T07:39:20.191" v="16"/>
+          <ac:picMkLst>
+            <pc:docMk/>
+            <pc:sldMk cId="3018556184" sldId="259"/>
+            <ac:picMk id="103" creationId="{00000000-0000-0000-0000-000000000000}"/>
+          </ac:picMkLst>
+        </pc:picChg>
+      </pc:sldChg>
+      <pc:sldChg chg="modSp mod">
+        <pc:chgData name="Riccardo Berta" userId="c8694f89-bba4-4576-b0a8-456619ca5a8c" providerId="ADAL" clId="{35C5D11B-424E-5B41-A9C4-509DD0A59BFD}" dt="2022-03-23T07:58:19.601" v="41" actId="20577"/>
+        <pc:sldMkLst>
+          <pc:docMk/>
+          <pc:sldMk cId="1104208334" sldId="260"/>
+        </pc:sldMkLst>
+        <pc:spChg chg="mod">
+          <ac:chgData name="Riccardo Berta" userId="c8694f89-bba4-4576-b0a8-456619ca5a8c" providerId="ADAL" clId="{35C5D11B-424E-5B41-A9C4-509DD0A59BFD}" dt="2022-03-23T07:58:19.601" v="41" actId="20577"/>
+          <ac:spMkLst>
+            <pc:docMk/>
+            <pc:sldMk cId="1104208334" sldId="260"/>
+            <ac:spMk id="109" creationId="{00000000-0000-0000-0000-000000000000}"/>
+          </ac:spMkLst>
+        </pc:spChg>
+        <pc:picChg chg="mod">
+          <ac:chgData name="Riccardo Berta" userId="c8694f89-bba4-4576-b0a8-456619ca5a8c" providerId="ADAL" clId="{35C5D11B-424E-5B41-A9C4-509DD0A59BFD}" dt="2022-03-22T07:40:02.780" v="18"/>
+          <ac:picMkLst>
+            <pc:docMk/>
+            <pc:sldMk cId="1104208334" sldId="260"/>
+            <ac:picMk id="110" creationId="{00000000-0000-0000-0000-000000000000}"/>
+          </ac:picMkLst>
+        </pc:picChg>
+        <pc:picChg chg="mod">
+          <ac:chgData name="Riccardo Berta" userId="c8694f89-bba4-4576-b0a8-456619ca5a8c" providerId="ADAL" clId="{35C5D11B-424E-5B41-A9C4-509DD0A59BFD}" dt="2022-03-22T07:39:46.143" v="17"/>
+          <ac:picMkLst>
+            <pc:docMk/>
+            <pc:sldMk cId="1104208334" sldId="260"/>
+            <ac:picMk id="111" creationId="{00000000-0000-0000-0000-000000000000}"/>
+          </ac:picMkLst>
+        </pc:picChg>
+      </pc:sldChg>
+      <pc:sldChg chg="modSp">
+        <pc:chgData name="Riccardo Berta" userId="c8694f89-bba4-4576-b0a8-456619ca5a8c" providerId="ADAL" clId="{35C5D11B-424E-5B41-A9C4-509DD0A59BFD}" dt="2022-03-22T07:42:45.729" v="19"/>
+        <pc:sldMkLst>
+          <pc:docMk/>
+          <pc:sldMk cId="1290395919" sldId="261"/>
+        </pc:sldMkLst>
+        <pc:picChg chg="mod">
+          <ac:chgData name="Riccardo Berta" userId="c8694f89-bba4-4576-b0a8-456619ca5a8c" providerId="ADAL" clId="{35C5D11B-424E-5B41-A9C4-509DD0A59BFD}" dt="2022-03-22T07:42:45.729" v="19"/>
+          <ac:picMkLst>
+            <pc:docMk/>
+            <pc:sldMk cId="1290395919" sldId="261"/>
+            <ac:picMk id="119" creationId="{00000000-0000-0000-0000-000000000000}"/>
+          </ac:picMkLst>
+        </pc:picChg>
+      </pc:sldChg>
+      <pc:sldChg chg="modSp mod modNotes">
+        <pc:chgData name="Riccardo Berta" userId="c8694f89-bba4-4576-b0a8-456619ca5a8c" providerId="ADAL" clId="{35C5D11B-424E-5B41-A9C4-509DD0A59BFD}" dt="2022-03-25T14:38:53.205" v="88" actId="20577"/>
+        <pc:sldMkLst>
+          <pc:docMk/>
+          <pc:sldMk cId="4130549615" sldId="262"/>
+        </pc:sldMkLst>
+        <pc:spChg chg="mod">
+          <ac:chgData name="Riccardo Berta" userId="c8694f89-bba4-4576-b0a8-456619ca5a8c" providerId="ADAL" clId="{35C5D11B-424E-5B41-A9C4-509DD0A59BFD}" dt="2022-03-25T14:38:53.205" v="88" actId="20577"/>
+          <ac:spMkLst>
+            <pc:docMk/>
+            <pc:sldMk cId="4130549615" sldId="262"/>
+            <ac:spMk id="125" creationId="{00000000-0000-0000-0000-000000000000}"/>
+          </ac:spMkLst>
+        </pc:spChg>
+        <pc:picChg chg="mod">
+          <ac:chgData name="Riccardo Berta" userId="c8694f89-bba4-4576-b0a8-456619ca5a8c" providerId="ADAL" clId="{35C5D11B-424E-5B41-A9C4-509DD0A59BFD}" dt="2022-03-22T07:43:02.767" v="20"/>
+          <ac:picMkLst>
+            <pc:docMk/>
+            <pc:sldMk cId="4130549615" sldId="262"/>
+            <ac:picMk id="126" creationId="{00000000-0000-0000-0000-000000000000}"/>
+          </ac:picMkLst>
+        </pc:picChg>
+      </pc:sldChg>
+      <pc:sldChg chg="modSp">
+        <pc:chgData name="Riccardo Berta" userId="c8694f89-bba4-4576-b0a8-456619ca5a8c" providerId="ADAL" clId="{35C5D11B-424E-5B41-A9C4-509DD0A59BFD}" dt="2022-03-22T07:43:16.691" v="21"/>
+        <pc:sldMkLst>
+          <pc:docMk/>
+          <pc:sldMk cId="3102138681" sldId="263"/>
+        </pc:sldMkLst>
+        <pc:picChg chg="mod">
+          <ac:chgData name="Riccardo Berta" userId="c8694f89-bba4-4576-b0a8-456619ca5a8c" providerId="ADAL" clId="{35C5D11B-424E-5B41-A9C4-509DD0A59BFD}" dt="2022-03-22T07:43:16.691" v="21"/>
+          <ac:picMkLst>
+            <pc:docMk/>
+            <pc:sldMk cId="3102138681" sldId="263"/>
+            <ac:picMk id="133" creationId="{00000000-0000-0000-0000-000000000000}"/>
+          </ac:picMkLst>
+        </pc:picChg>
+      </pc:sldChg>
+      <pc:sldChg chg="modSp mod">
+        <pc:chgData name="Riccardo Berta" userId="c8694f89-bba4-4576-b0a8-456619ca5a8c" providerId="ADAL" clId="{35C5D11B-424E-5B41-A9C4-509DD0A59BFD}" dt="2022-03-25T15:16:54.434" v="126" actId="20577"/>
+        <pc:sldMkLst>
+          <pc:docMk/>
+          <pc:sldMk cId="2113557187" sldId="264"/>
+        </pc:sldMkLst>
+        <pc:spChg chg="mod">
+          <ac:chgData name="Riccardo Berta" userId="c8694f89-bba4-4576-b0a8-456619ca5a8c" providerId="ADAL" clId="{35C5D11B-424E-5B41-A9C4-509DD0A59BFD}" dt="2022-03-25T15:16:54.434" v="126" actId="20577"/>
+          <ac:spMkLst>
+            <pc:docMk/>
+            <pc:sldMk cId="2113557187" sldId="264"/>
+            <ac:spMk id="139" creationId="{00000000-0000-0000-0000-000000000000}"/>
+          </ac:spMkLst>
+        </pc:spChg>
+        <pc:picChg chg="mod">
+          <ac:chgData name="Riccardo Berta" userId="c8694f89-bba4-4576-b0a8-456619ca5a8c" providerId="ADAL" clId="{35C5D11B-424E-5B41-A9C4-509DD0A59BFD}" dt="2022-03-22T07:43:33.267" v="22"/>
+          <ac:picMkLst>
+            <pc:docMk/>
+            <pc:sldMk cId="2113557187" sldId="264"/>
+            <ac:picMk id="141" creationId="{00000000-0000-0000-0000-000000000000}"/>
+          </ac:picMkLst>
+        </pc:picChg>
+        <pc:picChg chg="mod">
+          <ac:chgData name="Riccardo Berta" userId="c8694f89-bba4-4576-b0a8-456619ca5a8c" providerId="ADAL" clId="{35C5D11B-424E-5B41-A9C4-509DD0A59BFD}" dt="2022-03-22T07:43:50.362" v="23"/>
+          <ac:picMkLst>
+            <pc:docMk/>
+            <pc:sldMk cId="2113557187" sldId="264"/>
+            <ac:picMk id="142" creationId="{00000000-0000-0000-0000-000000000000}"/>
+          </ac:picMkLst>
+        </pc:picChg>
+      </pc:sldChg>
+      <pc:sldChg chg="modSp">
+        <pc:chgData name="Riccardo Berta" userId="c8694f89-bba4-4576-b0a8-456619ca5a8c" providerId="ADAL" clId="{35C5D11B-424E-5B41-A9C4-509DD0A59BFD}" dt="2022-03-22T07:44:03.240" v="24"/>
+        <pc:sldMkLst>
+          <pc:docMk/>
+          <pc:sldMk cId="2045385232" sldId="265"/>
+        </pc:sldMkLst>
+        <pc:picChg chg="mod">
+          <ac:chgData name="Riccardo Berta" userId="c8694f89-bba4-4576-b0a8-456619ca5a8c" providerId="ADAL" clId="{35C5D11B-424E-5B41-A9C4-509DD0A59BFD}" dt="2022-03-22T07:44:03.240" v="24"/>
+          <ac:picMkLst>
+            <pc:docMk/>
+            <pc:sldMk cId="2045385232" sldId="265"/>
+            <ac:picMk id="149" creationId="{00000000-0000-0000-0000-000000000000}"/>
+          </ac:picMkLst>
+        </pc:picChg>
+      </pc:sldChg>
+      <pc:sldChg chg="modSp">
+        <pc:chgData name="Riccardo Berta" userId="c8694f89-bba4-4576-b0a8-456619ca5a8c" providerId="ADAL" clId="{35C5D11B-424E-5B41-A9C4-509DD0A59BFD}" dt="2022-03-22T07:44:22.734" v="25"/>
+        <pc:sldMkLst>
+          <pc:docMk/>
+          <pc:sldMk cId="4181844165" sldId="266"/>
+        </pc:sldMkLst>
+        <pc:picChg chg="mod">
+          <ac:chgData name="Riccardo Berta" userId="c8694f89-bba4-4576-b0a8-456619ca5a8c" providerId="ADAL" clId="{35C5D11B-424E-5B41-A9C4-509DD0A59BFD}" dt="2022-03-22T07:44:22.734" v="25"/>
+          <ac:picMkLst>
+            <pc:docMk/>
+            <pc:sldMk cId="4181844165" sldId="266"/>
+            <ac:picMk id="156" creationId="{00000000-0000-0000-0000-000000000000}"/>
+          </ac:picMkLst>
+        </pc:picChg>
+      </pc:sldChg>
+      <pc:sldChg chg="modSp mod">
+        <pc:chgData name="Riccardo Berta" userId="c8694f89-bba4-4576-b0a8-456619ca5a8c" providerId="ADAL" clId="{35C5D11B-424E-5B41-A9C4-509DD0A59BFD}" dt="2022-04-01T12:12:56.906" v="135" actId="20577"/>
+        <pc:sldMkLst>
+          <pc:docMk/>
+          <pc:sldMk cId="216455838" sldId="267"/>
+        </pc:sldMkLst>
+        <pc:spChg chg="mod">
+          <ac:chgData name="Riccardo Berta" userId="c8694f89-bba4-4576-b0a8-456619ca5a8c" providerId="ADAL" clId="{35C5D11B-424E-5B41-A9C4-509DD0A59BFD}" dt="2022-04-01T12:12:56.906" v="135" actId="20577"/>
+          <ac:spMkLst>
+            <pc:docMk/>
+            <pc:sldMk cId="216455838" sldId="267"/>
+            <ac:spMk id="162" creationId="{00000000-0000-0000-0000-000000000000}"/>
+          </ac:spMkLst>
+        </pc:spChg>
+        <pc:picChg chg="mod">
+          <ac:chgData name="Riccardo Berta" userId="c8694f89-bba4-4576-b0a8-456619ca5a8c" providerId="ADAL" clId="{35C5D11B-424E-5B41-A9C4-509DD0A59BFD}" dt="2022-03-22T07:44:34.392" v="26"/>
+          <ac:picMkLst>
+            <pc:docMk/>
+            <pc:sldMk cId="216455838" sldId="267"/>
+            <ac:picMk id="163" creationId="{00000000-0000-0000-0000-000000000000}"/>
+          </ac:picMkLst>
+        </pc:picChg>
+      </pc:sldChg>
+      <pc:sldChg chg="del">
+        <pc:chgData name="Riccardo Berta" userId="c8694f89-bba4-4576-b0a8-456619ca5a8c" providerId="ADAL" clId="{35C5D11B-424E-5B41-A9C4-509DD0A59BFD}" dt="2022-03-22T07:29:13.529" v="3" actId="2696"/>
+        <pc:sldMkLst>
+          <pc:docMk/>
+          <pc:sldMk cId="925286286" sldId="268"/>
+        </pc:sldMkLst>
+      </pc:sldChg>
+      <pc:sldChg chg="modSp">
+        <pc:chgData name="Riccardo Berta" userId="c8694f89-bba4-4576-b0a8-456619ca5a8c" providerId="ADAL" clId="{35C5D11B-424E-5B41-A9C4-509DD0A59BFD}" dt="2022-03-22T07:44:59.403" v="28"/>
+        <pc:sldMkLst>
+          <pc:docMk/>
+          <pc:sldMk cId="3471997037" sldId="269"/>
+        </pc:sldMkLst>
+        <pc:picChg chg="mod">
+          <ac:chgData name="Riccardo Berta" userId="c8694f89-bba4-4576-b0a8-456619ca5a8c" providerId="ADAL" clId="{35C5D11B-424E-5B41-A9C4-509DD0A59BFD}" dt="2022-03-22T07:44:47.754" v="27"/>
+          <ac:picMkLst>
+            <pc:docMk/>
+            <pc:sldMk cId="3471997037" sldId="269"/>
+            <ac:picMk id="176" creationId="{00000000-0000-0000-0000-000000000000}"/>
+          </ac:picMkLst>
+        </pc:picChg>
+        <pc:picChg chg="mod">
+          <ac:chgData name="Riccardo Berta" userId="c8694f89-bba4-4576-b0a8-456619ca5a8c" providerId="ADAL" clId="{35C5D11B-424E-5B41-A9C4-509DD0A59BFD}" dt="2022-03-22T07:44:59.403" v="28"/>
+          <ac:picMkLst>
+            <pc:docMk/>
+            <pc:sldMk cId="3471997037" sldId="269"/>
+            <ac:picMk id="177" creationId="{00000000-0000-0000-0000-000000000000}"/>
+          </ac:picMkLst>
+        </pc:picChg>
+      </pc:sldChg>
+      <pc:sldChg chg="modSp mod">
+        <pc:chgData name="Riccardo Berta" userId="c8694f89-bba4-4576-b0a8-456619ca5a8c" providerId="ADAL" clId="{35C5D11B-424E-5B41-A9C4-509DD0A59BFD}" dt="2022-03-22T07:47:03.443" v="33"/>
+        <pc:sldMkLst>
+          <pc:docMk/>
+          <pc:sldMk cId="3130917410" sldId="270"/>
+        </pc:sldMkLst>
+        <pc:picChg chg="mod">
+          <ac:chgData name="Riccardo Berta" userId="c8694f89-bba4-4576-b0a8-456619ca5a8c" providerId="ADAL" clId="{35C5D11B-424E-5B41-A9C4-509DD0A59BFD}" dt="2022-03-22T07:46:52.226" v="32"/>
+          <ac:picMkLst>
+            <pc:docMk/>
+            <pc:sldMk cId="3130917410" sldId="270"/>
+            <ac:picMk id="184" creationId="{00000000-0000-0000-0000-000000000000}"/>
+          </ac:picMkLst>
+        </pc:picChg>
+        <pc:picChg chg="mod">
+          <ac:chgData name="Riccardo Berta" userId="c8694f89-bba4-4576-b0a8-456619ca5a8c" providerId="ADAL" clId="{35C5D11B-424E-5B41-A9C4-509DD0A59BFD}" dt="2022-03-22T07:47:03.443" v="33"/>
+          <ac:picMkLst>
+            <pc:docMk/>
+            <pc:sldMk cId="3130917410" sldId="270"/>
+            <ac:picMk id="185" creationId="{00000000-0000-0000-0000-000000000000}"/>
+          </ac:picMkLst>
+        </pc:picChg>
+      </pc:sldChg>
+      <pc:sldChg chg="modSp mod">
+        <pc:chgData name="Riccardo Berta" userId="c8694f89-bba4-4576-b0a8-456619ca5a8c" providerId="ADAL" clId="{35C5D11B-424E-5B41-A9C4-509DD0A59BFD}" dt="2022-03-22T07:47:51.976" v="38"/>
+        <pc:sldMkLst>
+          <pc:docMk/>
+          <pc:sldMk cId="2266699268" sldId="271"/>
+        </pc:sldMkLst>
+        <pc:picChg chg="mod">
+          <ac:chgData name="Riccardo Berta" userId="c8694f89-bba4-4576-b0a8-456619ca5a8c" providerId="ADAL" clId="{35C5D11B-424E-5B41-A9C4-509DD0A59BFD}" dt="2022-03-22T07:47:14.728" v="34"/>
+          <ac:picMkLst>
+            <pc:docMk/>
+            <pc:sldMk cId="2266699268" sldId="271"/>
+            <ac:picMk id="193" creationId="{00000000-0000-0000-0000-000000000000}"/>
+          </ac:picMkLst>
+        </pc:picChg>
+        <pc:picChg chg="mod">
+          <ac:chgData name="Riccardo Berta" userId="c8694f89-bba4-4576-b0a8-456619ca5a8c" providerId="ADAL" clId="{35C5D11B-424E-5B41-A9C4-509DD0A59BFD}" dt="2022-03-22T07:47:31.485" v="36"/>
+          <ac:picMkLst>
+            <pc:docMk/>
+            <pc:sldMk cId="2266699268" sldId="271"/>
+            <ac:picMk id="194" creationId="{00000000-0000-0000-0000-000000000000}"/>
+          </ac:picMkLst>
+        </pc:picChg>
+        <pc:picChg chg="mod">
+          <ac:chgData name="Riccardo Berta" userId="c8694f89-bba4-4576-b0a8-456619ca5a8c" providerId="ADAL" clId="{35C5D11B-424E-5B41-A9C4-509DD0A59BFD}" dt="2022-03-22T07:47:51.976" v="38"/>
+          <ac:picMkLst>
+            <pc:docMk/>
+            <pc:sldMk cId="2266699268" sldId="271"/>
+            <ac:picMk id="195" creationId="{00000000-0000-0000-0000-000000000000}"/>
+          </ac:picMkLst>
+        </pc:picChg>
+      </pc:sldChg>
+      <pc:sldChg chg="modSp mod ord">
+        <pc:chgData name="Riccardo Berta" userId="c8694f89-bba4-4576-b0a8-456619ca5a8c" providerId="ADAL" clId="{35C5D11B-424E-5B41-A9C4-509DD0A59BFD}" dt="2022-03-22T07:29:04.952" v="2"/>
+        <pc:sldMkLst>
+          <pc:docMk/>
+          <pc:sldMk cId="993270251" sldId="272"/>
+        </pc:sldMkLst>
+        <pc:spChg chg="mod">
+          <ac:chgData name="Riccardo Berta" userId="c8694f89-bba4-4576-b0a8-456619ca5a8c" providerId="ADAL" clId="{35C5D11B-424E-5B41-A9C4-509DD0A59BFD}" dt="2022-03-22T07:29:04.952" v="2"/>
+          <ac:spMkLst>
+            <pc:docMk/>
+            <pc:sldMk cId="993270251" sldId="272"/>
+            <ac:spMk id="201" creationId="{00000000-0000-0000-0000-000000000000}"/>
+          </ac:spMkLst>
+        </pc:spChg>
+      </pc:sldChg>
+      <pc:sldChg chg="modSp">
+        <pc:chgData name="Riccardo Berta" userId="c8694f89-bba4-4576-b0a8-456619ca5a8c" providerId="ADAL" clId="{35C5D11B-424E-5B41-A9C4-509DD0A59BFD}" dt="2022-03-22T07:48:04.230" v="39"/>
+        <pc:sldMkLst>
+          <pc:docMk/>
+          <pc:sldMk cId="0" sldId="273"/>
+        </pc:sldMkLst>
+        <pc:picChg chg="mod">
+          <ac:chgData name="Riccardo Berta" userId="c8694f89-bba4-4576-b0a8-456619ca5a8c" providerId="ADAL" clId="{35C5D11B-424E-5B41-A9C4-509DD0A59BFD}" dt="2022-03-22T07:48:04.230" v="39"/>
+          <ac:picMkLst>
+            <pc:docMk/>
+            <pc:sldMk cId="0" sldId="273"/>
+            <ac:picMk id="210" creationId="{00000000-0000-0000-0000-000000000000}"/>
+          </ac:picMkLst>
+        </pc:picChg>
+      </pc:sldChg>
+      <pc:sldChg chg="modSp">
+        <pc:chgData name="Riccardo Berta" userId="c8694f89-bba4-4576-b0a8-456619ca5a8c" providerId="ADAL" clId="{35C5D11B-424E-5B41-A9C4-509DD0A59BFD}" dt="2022-03-22T07:48:21.111" v="40"/>
+        <pc:sldMkLst>
+          <pc:docMk/>
+          <pc:sldMk cId="97697531" sldId="275"/>
+        </pc:sldMkLst>
+        <pc:picChg chg="mod">
+          <ac:chgData name="Riccardo Berta" userId="c8694f89-bba4-4576-b0a8-456619ca5a8c" providerId="ADAL" clId="{35C5D11B-424E-5B41-A9C4-509DD0A59BFD}" dt="2022-03-22T07:48:21.111" v="40"/>
+          <ac:picMkLst>
+            <pc:docMk/>
+            <pc:sldMk cId="97697531" sldId="275"/>
+            <ac:picMk id="224" creationId="{00000000-0000-0000-0000-000000000000}"/>
+          </ac:picMkLst>
+        </pc:picChg>
+      </pc:sldChg>
     </pc:docChg>
   </pc:docChgLst>
   <pc:docChgLst>
@@ -10299,7 +10299,35 @@
             </a:pPr>
             <a:r>
               <a:rPr lang="en-GB" dirty="0"/>
-              <a:t>use the most significant bit as the sign and the remaining N − 1 bits as the magnitude (absolute value): a sign bit of 0 indicates positive and a sign bit of 1 indicates negative</a:t>
+              <a:t>use the </a:t>
+            </a:r>
+            <a:r>
+              <a:rPr lang="en-GB" b="1" dirty="0"/>
+              <a:t>most significant bit as the sign </a:t>
+            </a:r>
+            <a:r>
+              <a:rPr lang="en-GB" dirty="0"/>
+              <a:t>and </a:t>
+            </a:r>
+            <a:r>
+              <a:rPr lang="en-GB" b="1" dirty="0"/>
+              <a:t>the remaining N − 1 bits as the magnitude</a:t>
+            </a:r>
+            <a:r>
+              <a:rPr lang="en-GB" dirty="0"/>
+              <a:t> (absolute value): a sign bit of </a:t>
+            </a:r>
+            <a:r>
+              <a:rPr lang="en-GB" b="1" dirty="0"/>
+              <a:t>0 indicates positive</a:t>
+            </a:r>
+            <a:r>
+              <a:rPr lang="en-GB" dirty="0"/>
+              <a:t> and a sign bit of </a:t>
+            </a:r>
+            <a:r>
+              <a:rPr lang="en-GB" b="1" dirty="0"/>
+              <a:t>1 indicates negative</a:t>
             </a:r>
           </a:p>
           <a:p>
@@ -10309,8 +10337,12 @@
               </a:spcBef>
             </a:pPr>
             <a:r>
-              <a:rPr lang="en-GB" dirty="0"/>
-              <a:t>intuitively appealing: match our way of writing negative numbers with a minus sign followed by the magnitude</a:t>
+              <a:rPr lang="en-GB" b="1" dirty="0"/>
+              <a:t>intuitively appealing</a:t>
+            </a:r>
+            <a:r>
+              <a:rPr lang="en-GB" dirty="0"/>
+              <a:t>: match our way of writing negative numbers with a minus sign followed by the magnitude</a:t>
             </a:r>
           </a:p>
           <a:p>
@@ -10320,7 +10352,7 @@
               </a:spcBef>
             </a:pPr>
             <a:r>
-              <a:rPr lang="en-GB" dirty="0"/>
+              <a:rPr lang="en-GB" b="1" dirty="0"/>
               <a:t>ordinary binary addition does not work </a:t>
             </a:r>
           </a:p>
@@ -10383,7 +10415,15 @@
             </a:pPr>
             <a:r>
               <a:rPr lang="en-GB" dirty="0"/>
-              <a:t>It is odd that both +0 and −0 exist, both indicate zero…</a:t>
+              <a:t>It is </a:t>
+            </a:r>
+            <a:r>
+              <a:rPr lang="en-GB" b="1" dirty="0"/>
+              <a:t>odd that both +0 and −0 exist</a:t>
+            </a:r>
+            <a:r>
+              <a:rPr lang="en-GB" dirty="0"/>
+              <a:t>, both indicate zero…</a:t>
             </a:r>
           </a:p>
           <a:p>
@@ -10413,11 +10453,19 @@
             </a:pPr>
             <a:r>
               <a:rPr lang="en-GB" dirty="0"/>
-              <a:t>identical to unsigned binary numbers except that the most significant bit has a weight of −2</a:t>
+              <a:t>identical to unsigned binary numbers except that </a:t>
+            </a:r>
+            <a:r>
+              <a:rPr lang="en-GB" b="1" dirty="0"/>
+              <a:t>the most significant bit has a weight of −2</a:t>
+            </a:r>
+            <a:r>
+              <a:rPr lang="en-GB" b="1" baseline="30000" dirty="0"/>
+              <a:t>N−1</a:t>
             </a:r>
             <a:r>
               <a:rPr lang="en-GB" baseline="30000" dirty="0"/>
-              <a:t>N−1 </a:t>
+              <a:t> </a:t>
             </a:r>
             <a:r>
               <a:rPr lang="en-GB" dirty="0"/>
@@ -10450,7 +10498,7 @@
               </a:spcBef>
             </a:pPr>
             <a:r>
-              <a:rPr lang="en-GB" dirty="0"/>
+              <a:rPr lang="en-GB" b="1" dirty="0"/>
               <a:t>zero has a single representation</a:t>
             </a:r>
           </a:p>
@@ -10461,7 +10509,7 @@
               </a:spcBef>
             </a:pPr>
             <a:r>
-              <a:rPr lang="en-GB" dirty="0"/>
+              <a:rPr lang="en-GB" b="1" dirty="0"/>
               <a:t>ordinary addition works</a:t>
             </a:r>
           </a:p>
@@ -10912,8 +10960,26 @@
             </a:r>
             <a:r>
               <a:rPr lang="en-GB" dirty="0"/>
-              <a:t>) and then </a:t>
-            </a:r>
+              <a:t>) and then adding 1</a:t>
+            </a:r>
+          </a:p>
+          <a:p>
+            <a:pPr lvl="1">
+              <a:spcBef>
+                <a:spcPts val="600"/>
+              </a:spcBef>
+            </a:pPr>
+            <a:r>
+              <a:rPr lang="en-GB" b="1" dirty="0"/>
+              <a:t>reversing the sign</a:t>
+            </a:r>
+          </a:p>
+          <a:p>
+            <a:pPr lvl="1">
+              <a:spcBef>
+                <a:spcPts val="600"/>
+              </a:spcBef>
+            </a:pPr>
             <a:r>
               <a:rPr lang="en-GB" b="1" dirty="0"/>
               <a:t>adding 1</a:t>
@@ -10925,17 +10991,6 @@
                 <a:spcPts val="600"/>
               </a:spcBef>
             </a:pPr>
-            <a:r>
-              <a:rPr lang="en-GB" b="1" dirty="0"/>
-              <a:t>reversing the sign</a:t>
-            </a:r>
-          </a:p>
-          <a:p>
-            <a:pPr lvl="1">
-              <a:spcBef>
-                <a:spcPts val="600"/>
-              </a:spcBef>
-            </a:pPr>
             <a:endParaRPr lang="en-GB" dirty="0"/>
           </a:p>
           <a:p>
@@ -10964,8 +11019,12 @@
               </a:spcBef>
             </a:pPr>
             <a:r>
-              <a:rPr lang="en-GB" dirty="0"/>
-              <a:t>represent the magnitude: +2</a:t>
+              <a:rPr lang="en-GB" b="1" dirty="0"/>
+              <a:t>represent the magnitude</a:t>
+            </a:r>
+            <a:r>
+              <a:rPr lang="en-GB" dirty="0"/>
+              <a:t>: +2</a:t>
             </a:r>
             <a:r>
               <a:rPr lang="en-GB" baseline="-25000" dirty="0"/>
@@ -10991,8 +11050,12 @@
               </a:spcBef>
             </a:pPr>
             <a:r>
-              <a:rPr lang="en-GB" dirty="0"/>
-              <a:t>invert 0010</a:t>
+              <a:rPr lang="en-GB" b="1" dirty="0"/>
+              <a:t>invert</a:t>
+            </a:r>
+            <a:r>
+              <a:rPr lang="en-GB" dirty="0"/>
+              <a:t> 0010</a:t>
             </a:r>
             <a:r>
               <a:rPr lang="en-GB" baseline="-25000" dirty="0"/>
@@ -11014,8 +11077,12 @@
               </a:spcBef>
             </a:pPr>
             <a:r>
-              <a:rPr lang="en-GB" dirty="0"/>
-              <a:t>add 1: 1101</a:t>
+              <a:rPr lang="en-GB" b="1" dirty="0"/>
+              <a:t>add 1</a:t>
+            </a:r>
+            <a:r>
+              <a:rPr lang="en-GB" dirty="0"/>
+              <a:t>: 1101</a:t>
             </a:r>
             <a:r>
               <a:rPr lang="en-GB" baseline="-25000" dirty="0"/>
@@ -11095,7 +11162,11 @@
             </a:r>
             <a:r>
               <a:rPr lang="en-GB" dirty="0"/>
-              <a:t> has a leading 1, so it must be negative</a:t>
+              <a:t> </a:t>
+            </a:r>
+            <a:r>
+              <a:rPr lang="en-GB" b="1" dirty="0"/>
+              <a:t>has a leading 1, so it must be negative</a:t>
             </a:r>
           </a:p>
           <a:p>
@@ -11105,8 +11176,12 @@
               </a:spcBef>
             </a:pPr>
             <a:r>
-              <a:rPr lang="en-GB" dirty="0"/>
-              <a:t>Invert the magnitude 1001</a:t>
+              <a:rPr lang="en-GB" b="1" dirty="0"/>
+              <a:t>Invert the magnitude </a:t>
+            </a:r>
+            <a:r>
+              <a:rPr lang="en-GB" dirty="0"/>
+              <a:t>1001</a:t>
             </a:r>
             <a:r>
               <a:rPr lang="en-GB" baseline="-25000" dirty="0"/>
@@ -11129,8 +11204,12 @@
               </a:spcBef>
             </a:pPr>
             <a:r>
-              <a:rPr lang="en-GB" dirty="0"/>
-              <a:t>add 1: 0110</a:t>
+              <a:rPr lang="en-GB" b="1" dirty="0"/>
+              <a:t>add 1</a:t>
+            </a:r>
+            <a:r>
+              <a:rPr lang="en-GB" dirty="0"/>
+              <a:t>: 0110</a:t>
             </a:r>
             <a:r>
               <a:rPr lang="en-GB" baseline="-25000" dirty="0"/>
@@ -11305,7 +11384,11 @@
             <a:pPr lvl="1"/>
             <a:r>
               <a:rPr lang="en-GB" dirty="0"/>
-              <a:t>recall: when adding N-bit numbers, the carry of the Nth bit is discarded</a:t>
+              <a:t>when adding N-bit numbers, </a:t>
+            </a:r>
+            <a:r>
+              <a:rPr lang="en-GB" b="1" dirty="0"/>
+              <a:t>the carry of the Nth bit is discarded</a:t>
             </a:r>
           </a:p>
           <a:p>
@@ -11438,15 +11521,27 @@
             </a:r>
             <a:r>
               <a:rPr lang="en-GB" dirty="0"/>
-              <a:t> = 10000</a:t>
+              <a:t> = </a:t>
+            </a:r>
+            <a:r>
+              <a:rPr lang="en-GB" b="1" dirty="0"/>
+              <a:t>1</a:t>
+            </a:r>
+            <a:r>
+              <a:rPr lang="en-GB" dirty="0"/>
+              <a:t>0000</a:t>
             </a:r>
             <a:r>
               <a:rPr lang="en-GB" baseline="-25000" dirty="0"/>
               <a:t>2, </a:t>
             </a:r>
             <a:r>
-              <a:rPr lang="en-GB" dirty="0"/>
-              <a:t>the fifth bit is discarded, leaving  0000</a:t>
+              <a:rPr lang="en-GB" b="1" dirty="0"/>
+              <a:t>the fifth bit is discarded</a:t>
+            </a:r>
+            <a:r>
+              <a:rPr lang="en-GB" dirty="0"/>
+              <a:t>, leaving  0000</a:t>
             </a:r>
             <a:r>
               <a:rPr lang="en-GB" baseline="-25000" dirty="0"/>
@@ -11464,7 +11559,11 @@
             </a:r>
             <a:r>
               <a:rPr lang="en-GB" dirty="0"/>
-              <a:t> is performed by taking the two’s complement of the second number, then adding</a:t>
+              <a:t> is performed by </a:t>
+            </a:r>
+            <a:r>
+              <a:rPr lang="en-GB" b="1" dirty="0"/>
+              <a:t>taking the two’s complement of the second number, then adding</a:t>
             </a:r>
           </a:p>
           <a:p>
@@ -11795,7 +11894,7 @@
               </a:spcBef>
             </a:pPr>
             <a:r>
-              <a:rPr lang="en-GB" dirty="0"/>
+              <a:rPr lang="en-GB" b="1" dirty="0"/>
               <a:t>zero is always represented with all 0’s</a:t>
             </a:r>
           </a:p>
@@ -11807,7 +11906,11 @@
             </a:pPr>
             <a:r>
               <a:rPr lang="en-GB" dirty="0"/>
-              <a:t>unlike the sign/magnitude system, it has no separate  -0 representation</a:t>
+              <a:t>unlike the sign/magnitude system, it has </a:t>
+            </a:r>
+            <a:r>
+              <a:rPr lang="en-GB" b="1" dirty="0"/>
+              <a:t>no separate  -0 representation</a:t>
             </a:r>
           </a:p>
           <a:p>
@@ -11817,8 +11920,12 @@
               </a:spcBef>
             </a:pPr>
             <a:r>
-              <a:rPr lang="en-GB" dirty="0"/>
-              <a:t>zero is considered positive because its sign bit is 0</a:t>
+              <a:rPr lang="en-GB" b="1" dirty="0"/>
+              <a:t>zero is considered positive </a:t>
+            </a:r>
+            <a:r>
+              <a:rPr lang="en-GB" dirty="0"/>
+              <a:t>because its sign bit is 0</a:t>
             </a:r>
           </a:p>
           <a:p>
@@ -11864,7 +11971,15 @@
             </a:pPr>
             <a:r>
               <a:rPr lang="en-GB" dirty="0"/>
-              <a:t>there is one more negative number than positive number because there is no −0 </a:t>
+              <a:t>there is </a:t>
+            </a:r>
+            <a:r>
+              <a:rPr lang="en-GB" b="1" dirty="0"/>
+              <a:t>one more negative number </a:t>
+            </a:r>
+            <a:r>
+              <a:rPr lang="en-GB" dirty="0"/>
+              <a:t>than positive number because there is no −0 </a:t>
             </a:r>
           </a:p>
           <a:p>
@@ -11941,7 +12056,11 @@
             </a:pPr>
             <a:r>
               <a:rPr lang="en-GB" dirty="0"/>
-              <a:t>it has no positive counterpart</a:t>
+              <a:t>it has </a:t>
+            </a:r>
+            <a:r>
+              <a:rPr lang="en-GB" b="1" dirty="0"/>
+              <a:t>no positive counterpart</a:t>
             </a:r>
           </a:p>
         </p:txBody>
@@ -12030,8 +12149,8 @@
         </p:nvSpPr>
         <p:spPr>
           <a:xfrm>
-            <a:off x="162750" y="1192659"/>
-            <a:ext cx="8818500" cy="5387046"/>
+            <a:off x="162750" y="1325825"/>
+            <a:ext cx="8818500" cy="4870789"/>
           </a:xfrm>
           <a:prstGeom prst="rect">
             <a:avLst/>
@@ -12045,25 +12164,29 @@
           <a:p>
             <a:r>
               <a:rPr lang="en-GB" dirty="0"/>
-              <a:t>Adding two N-bit positive numbers or negative numbers may cause overflow </a:t>
+              <a:t>Adding two N-bit positive numbers or negative numbers </a:t>
+            </a:r>
+            <a:r>
+              <a:rPr lang="en-GB" b="1" dirty="0"/>
+              <a:t>may cause overflow </a:t>
             </a:r>
           </a:p>
           <a:p>
             <a:pPr lvl="1"/>
             <a:r>
-              <a:rPr lang="en-GB" dirty="0"/>
+              <a:rPr lang="en-GB" b="1" dirty="0"/>
               <a:t>if the result is greater than 2</a:t>
             </a:r>
             <a:r>
-              <a:rPr lang="en-GB" baseline="30000" dirty="0"/>
+              <a:rPr lang="en-GB" b="1" baseline="30000" dirty="0"/>
               <a:t>N−1</a:t>
             </a:r>
             <a:r>
-              <a:rPr lang="en-GB" dirty="0"/>
+              <a:rPr lang="en-GB" b="1" dirty="0"/>
               <a:t> − 1 or less than −2</a:t>
             </a:r>
             <a:r>
-              <a:rPr lang="en-GB" baseline="30000" dirty="0"/>
+              <a:rPr lang="en-GB" b="1" baseline="30000" dirty="0"/>
               <a:t>N−1</a:t>
             </a:r>
           </a:p>
@@ -12088,7 +12211,11 @@
           <a:p>
             <a:r>
               <a:rPr lang="en-GB" dirty="0"/>
-              <a:t>Overflow occurs if the two numbers have the same sign bit and the result has the opposite sign bit</a:t>
+              <a:t>Overflow occurs if </a:t>
+            </a:r>
+            <a:r>
+              <a:rPr lang="en-GB" b="1" dirty="0"/>
+              <a:t>the two numbers have the same sign bit and the result has the opposite sign bit</a:t>
             </a:r>
           </a:p>
           <a:p>
@@ -12194,10 +12321,6 @@
               <a:rPr lang="en-GB" dirty="0"/>
               <a:t> would have been correct</a:t>
             </a:r>
-          </a:p>
-          <a:p>
-            <a:pPr lvl="1"/>
-            <a:endParaRPr lang="en-GB" dirty="0"/>
           </a:p>
         </p:txBody>
       </p:sp>
@@ -12285,8 +12408,8 @@
         </p:nvSpPr>
         <p:spPr>
           <a:xfrm>
-            <a:off x="162750" y="1192659"/>
-            <a:ext cx="8818500" cy="5387046"/>
+            <a:off x="162750" y="1237048"/>
+            <a:ext cx="8818500" cy="5128242"/>
           </a:xfrm>
           <a:prstGeom prst="rect">
             <a:avLst/>
@@ -12300,7 +12423,19 @@
           <a:p>
             <a:r>
               <a:rPr lang="en-GB" dirty="0"/>
-              <a:t>When a two’s complement number is extended to more bits, the sign bit must be copied into the most significant bit positions</a:t>
+              <a:t>When a two’s complement number is </a:t>
+            </a:r>
+            <a:r>
+              <a:rPr lang="en-GB" b="1" dirty="0"/>
+              <a:t>extended to more bits</a:t>
+            </a:r>
+            <a:r>
+              <a:rPr lang="en-GB" dirty="0"/>
+              <a:t>, the </a:t>
+            </a:r>
+            <a:r>
+              <a:rPr lang="en-GB" b="1" dirty="0"/>
+              <a:t>sign bit must be copied into the most significant bit positions</a:t>
             </a:r>
           </a:p>
           <a:p>
@@ -12468,7 +12603,7 @@
         <p:spPr>
           <a:xfrm>
             <a:off x="162750" y="1212536"/>
-            <a:ext cx="8818500" cy="5353155"/>
+            <a:ext cx="8818500" cy="5099487"/>
           </a:xfrm>
           <a:prstGeom prst="rect">
             <a:avLst/>
@@ -12483,7 +12618,15 @@
             <a:pPr lvl="0"/>
             <a:r>
               <a:rPr lang="en-GB" dirty="0"/>
-              <a:t>Multiplication of unsigned binary numbers is similar to decimal multiplication but involves only 1 and 0 </a:t>
+              <a:t>Multiplication of </a:t>
+            </a:r>
+            <a:r>
+              <a:rPr lang="en-GB" b="1" dirty="0"/>
+              <a:t>unsigned binary numbers </a:t>
+            </a:r>
+            <a:r>
+              <a:rPr lang="en-GB" dirty="0"/>
+              <a:t>is like decimal multiplication but involves only 1 and 0 </a:t>
             </a:r>
           </a:p>
           <a:p>
@@ -12555,12 +12698,12 @@
               </a:spcAft>
             </a:pPr>
             <a:r>
-              <a:rPr lang="en-GB" dirty="0"/>
+              <a:rPr lang="en-GB" b="1" dirty="0"/>
               <a:t>partial products in the binary case are either the multiplicand or all 0</a:t>
             </a:r>
           </a:p>
           <a:p>
-            <a:pPr lvl="1">
+            <a:pPr marL="590550" lvl="1" indent="0">
               <a:lnSpc>
                 <a:spcPct val="100000"/>
               </a:lnSpc>
@@ -12570,6 +12713,7 @@
               <a:spcAft>
                 <a:spcPts val="600"/>
               </a:spcAft>
+              <a:buNone/>
             </a:pPr>
             <a:endParaRPr lang="en-GB" sz="1100" dirty="0"/>
           </a:p>
@@ -13034,8 +13178,8 @@
         </p:nvSpPr>
         <p:spPr>
           <a:xfrm>
-            <a:off x="311700" y="1043733"/>
-            <a:ext cx="8818500" cy="5113200"/>
+            <a:off x="311700" y="1586067"/>
+            <a:ext cx="8264129" cy="4468505"/>
           </a:xfrm>
         </p:spPr>
         <p:txBody>
@@ -13085,12 +13229,8 @@
           </a:p>
           <a:p>
             <a:r>
-              <a:rPr lang="en-GB"/>
-              <a:t>Fractional </a:t>
-            </a:r>
-            <a:r>
-              <a:rPr lang="en-GB" dirty="0"/>
-              <a:t>Numbers</a:t>
+              <a:rPr lang="en-GB" dirty="0"/>
+              <a:t>Fractional Numbers</a:t>
             </a:r>
           </a:p>
           <a:p>
@@ -13669,7 +13809,31 @@
           <a:p>
             <a:r>
               <a:rPr lang="en-GB" dirty="0"/>
-              <a:t>Fixed-point number systems are commonly used in digital signal processing (DSP), graphics, and machine learning application</a:t>
+              <a:t>Fixed-point number systems are </a:t>
+            </a:r>
+            <a:r>
+              <a:rPr lang="en-GB" b="1" dirty="0"/>
+              <a:t>commonly used in digital signal processing</a:t>
+            </a:r>
+            <a:r>
+              <a:rPr lang="en-GB" dirty="0"/>
+              <a:t> (DSP), </a:t>
+            </a:r>
+            <a:r>
+              <a:rPr lang="en-GB" b="1" dirty="0"/>
+              <a:t>graphics</a:t>
+            </a:r>
+            <a:r>
+              <a:rPr lang="en-GB" dirty="0"/>
+              <a:t>, and </a:t>
+            </a:r>
+            <a:r>
+              <a:rPr lang="en-GB" b="1" dirty="0"/>
+              <a:t>machine learning</a:t>
+            </a:r>
+            <a:r>
+              <a:rPr lang="en-GB" dirty="0"/>
+              <a:t> application</a:t>
             </a:r>
           </a:p>
           <a:p>
@@ -13977,7 +14141,7 @@
             </a:pPr>
             <a:r>
               <a:rPr lang="en-GB" dirty="0"/>
-              <a:t>the decimal point “floats" to the position right after the most significant digit.</a:t>
+              <a:t>the decimal point “floats" to the position right after the most significant digit</a:t>
             </a:r>
           </a:p>
           <a:p>
@@ -14043,7 +14207,7 @@
               </a:spcAft>
             </a:pPr>
             <a:r>
-              <a:rPr lang="en-GB" dirty="0"/>
+              <a:rPr lang="en-GB" b="1" dirty="0"/>
               <a:t>base 2, 1 sign bit, 8 exponent bits, and 23 mantissa bits</a:t>
             </a:r>
           </a:p>
@@ -16073,24 +16237,36 @@
             </a:pPr>
             <a:r>
               <a:rPr lang="en-GB" dirty="0"/>
-              <a:t>An N-bit number represents one </a:t>
+              <a:t>An </a:t>
+            </a:r>
+            <a:r>
+              <a:rPr lang="en-GB" b="1" dirty="0"/>
+              <a:t>N-bit number</a:t>
+            </a:r>
+            <a:r>
+              <a:rPr lang="en-GB" dirty="0"/>
+              <a:t> represents one </a:t>
             </a:r>
             <a:br>
               <a:rPr lang="en-GB" dirty="0"/>
             </a:br>
             <a:r>
               <a:rPr lang="en-GB" dirty="0"/>
-              <a:t>of 2</a:t>
-            </a:r>
-            <a:r>
-              <a:rPr lang="en-GB" baseline="30000" dirty="0"/>
+              <a:t>of </a:t>
+            </a:r>
+            <a:r>
+              <a:rPr lang="en-GB" b="1" dirty="0"/>
+              <a:t>2</a:t>
+            </a:r>
+            <a:r>
+              <a:rPr lang="en-GB" b="1" baseline="30000" dirty="0"/>
               <a:t>N</a:t>
             </a:r>
             <a:r>
-              <a:rPr lang="en-GB" dirty="0"/>
+              <a:rPr lang="en-GB" b="1" dirty="0"/>
               <a:t> possibilities</a:t>
             </a:r>
-            <a:endParaRPr lang="en-GB" baseline="30000" dirty="0"/>
+            <a:endParaRPr lang="en-GB" b="1" baseline="30000" dirty="0"/>
           </a:p>
         </p:txBody>
       </p:sp>
@@ -16291,7 +16467,15 @@
           <a:p>
             <a:r>
               <a:rPr lang="en-GB" dirty="0"/>
-              <a:t>Working from the left:  </a:t>
+              <a:t>Working </a:t>
+            </a:r>
+            <a:r>
+              <a:rPr lang="en-GB" b="1" dirty="0"/>
+              <a:t>from the left</a:t>
+            </a:r>
+            <a:r>
+              <a:rPr lang="en-GB" dirty="0"/>
+              <a:t>:  </a:t>
             </a:r>
           </a:p>
           <a:p>
@@ -16309,7 +16493,15 @@
             </a:pPr>
             <a:r>
               <a:rPr lang="en-GB" dirty="0"/>
-              <a:t>the largest power of 2 less than or equal to 84 is 64, so there is a 1 in the column 7, leaving 84 − 64 = 20; 20 &lt; 32, so there is a 0 in column 6; 20 ≥ 16, so there is 1 in the column 5, leaving 20 − 16 = 4; 4 &lt; 8, so there is 0 in column 4; 4 ≥ 4, so there is 1 in column 3, leaving 4 − 4 = 0; thus, there must be 0  in columns 2 and . Putting all together, 84</a:t>
+              <a:t>the </a:t>
+            </a:r>
+            <a:r>
+              <a:rPr lang="en-GB" b="1" dirty="0"/>
+              <a:t>largest power of 2 less than or equal to</a:t>
+            </a:r>
+            <a:r>
+              <a:rPr lang="en-GB" dirty="0"/>
+              <a:t> 84 is 64, so there is a 1 in the column 7, leaving 84 − 64 = 20; 20 &lt; 32, so there is a 0 in column 6; 20 ≥ 16, so there is 1 in the column 5, leaving 20 − 16 = 4; 4 &lt; 8, so there is 0 in column 4; 4 ≥ 4, so there is 1 in column 3, leaving 4 − 4 = 0; thus, there must be 0 in columns 2 and 1. Putting all together, 84</a:t>
             </a:r>
             <a:r>
               <a:rPr lang="en-GB" baseline="-25000" dirty="0"/>
@@ -16339,7 +16531,15 @@
           <a:p>
             <a:r>
               <a:rPr lang="en-GB" dirty="0"/>
-              <a:t>Working from the right: </a:t>
+              <a:t>Working </a:t>
+            </a:r>
+            <a:r>
+              <a:rPr lang="en-GB" b="1" dirty="0"/>
+              <a:t>from the right</a:t>
+            </a:r>
+            <a:r>
+              <a:rPr lang="en-GB" dirty="0"/>
+              <a:t>: </a:t>
             </a:r>
           </a:p>
           <a:p>
@@ -16349,8 +16549,12 @@
               </a:spcBef>
             </a:pPr>
             <a:r>
-              <a:rPr lang="en-GB" dirty="0"/>
-              <a:t>repeatedly divide the number by 2. The remainder goes in each column </a:t>
+              <a:rPr lang="en-GB" b="1" dirty="0"/>
+              <a:t>repeatedly divide the number by 2, the remainder goes in each column</a:t>
+            </a:r>
+            <a:r>
+              <a:rPr lang="en-GB" dirty="0"/>
+              <a:t> </a:t>
             </a:r>
           </a:p>
           <a:p>
@@ -16478,14 +16682,26 @@
           <a:p>
             <a:r>
               <a:rPr lang="en-GB" dirty="0"/>
-              <a:t>Writing long binary numbers becomes tedious </a:t>
+              <a:t>Writing long binary numbers becomes </a:t>
+            </a:r>
+            <a:r>
+              <a:rPr lang="en-GB" b="1" dirty="0"/>
+              <a:t>tedious</a:t>
+            </a:r>
+            <a:r>
+              <a:rPr lang="en-GB" dirty="0"/>
+              <a:t> </a:t>
             </a:r>
             <a:br>
               <a:rPr lang="en-GB" dirty="0"/>
             </a:br>
             <a:r>
               <a:rPr lang="en-GB" dirty="0"/>
-              <a:t>and prone to error</a:t>
+              <a:t>and </a:t>
+            </a:r>
+            <a:r>
+              <a:rPr lang="en-GB" b="1" dirty="0"/>
+              <a:t>prone to error</a:t>
             </a:r>
           </a:p>
           <a:p>
@@ -16589,7 +16805,15 @@
             </a:pPr>
             <a:r>
               <a:rPr lang="en-GB" dirty="0"/>
-              <a:t>Conversion between hexadecimal and binary is easy because each hexadecimal digit directly corresponds to four binary digits</a:t>
+              <a:t>Conversion between hexadecimal and binary </a:t>
+            </a:r>
+            <a:r>
+              <a:rPr lang="en-GB" b="1" dirty="0"/>
+              <a:t>is easy </a:t>
+            </a:r>
+            <a:r>
+              <a:rPr lang="en-GB" dirty="0"/>
+              <a:t>because each hexadecimal digit directly corresponds to four binary digits</a:t>
             </a:r>
           </a:p>
           <a:p>
@@ -16918,14 +17142,18 @@
             </a:pPr>
             <a:r>
               <a:rPr lang="en-GB" dirty="0"/>
-              <a:t>it represents one of 2</a:t>
-            </a:r>
-            <a:r>
-              <a:rPr lang="en-GB" baseline="30000" dirty="0"/>
+              <a:t>it represents one of </a:t>
+            </a:r>
+            <a:r>
+              <a:rPr lang="en-GB" b="1" dirty="0"/>
+              <a:t>2</a:t>
+            </a:r>
+            <a:r>
+              <a:rPr lang="en-GB" b="1" baseline="30000" dirty="0"/>
               <a:t>8</a:t>
             </a:r>
             <a:r>
-              <a:rPr lang="en-GB" dirty="0"/>
+              <a:rPr lang="en-GB" b="1" dirty="0"/>
               <a:t> = 256 possibilities</a:t>
             </a:r>
           </a:p>
@@ -16936,8 +17164,12 @@
               </a:spcBef>
             </a:pPr>
             <a:r>
-              <a:rPr lang="en-GB" dirty="0"/>
-              <a:t>size of objects stored in memories is measured in bytes rather than bits</a:t>
+              <a:rPr lang="en-GB" b="1" dirty="0"/>
+              <a:t>size of objects stored in memories is measured in bytes </a:t>
+            </a:r>
+            <a:r>
+              <a:rPr lang="en-GB" dirty="0"/>
+              <a:t>rather than bits</a:t>
             </a:r>
           </a:p>
           <a:p>
@@ -16985,7 +17217,7 @@
             </a:pPr>
             <a:r>
               <a:rPr lang="en-GB" dirty="0"/>
-              <a:t>an hexadecimal digit stores one nibble </a:t>
+              <a:t>a hexadecimal digit stores one nibble </a:t>
             </a:r>
           </a:p>
           <a:p>
@@ -17016,8 +17248,12 @@
               </a:spcBef>
             </a:pPr>
             <a:r>
-              <a:rPr lang="en-GB" dirty="0"/>
-              <a:t>the size of a word depends on the </a:t>
+              <a:rPr lang="en-GB" b="1" dirty="0"/>
+              <a:t>the size of a word </a:t>
+            </a:r>
+            <a:r>
+              <a:rPr lang="en-GB" dirty="0"/>
+              <a:t>depends on the </a:t>
             </a:r>
             <a:r>
               <a:rPr lang="en-GB" b="1" dirty="0"/>
@@ -17243,7 +17479,55 @@
           <a:p>
             <a:r>
               <a:rPr lang="en-GB" dirty="0"/>
-              <a:t>By coincidence, 2</a:t>
+              <a:t>By coincidence, </a:t>
+            </a:r>
+            <a:r>
+              <a:rPr lang="en-GB" b="1" dirty="0"/>
+              <a:t>2</a:t>
+            </a:r>
+            <a:r>
+              <a:rPr lang="en-GB" b="1" baseline="30000" dirty="0"/>
+              <a:t>10</a:t>
+            </a:r>
+            <a:r>
+              <a:rPr lang="en-GB" b="1" dirty="0"/>
+              <a:t> = 1024 ≈ 10</a:t>
+            </a:r>
+            <a:r>
+              <a:rPr lang="en-GB" b="1" baseline="30000" dirty="0"/>
+              <a:t>3</a:t>
+            </a:r>
+            <a:r>
+              <a:rPr lang="en-GB" dirty="0"/>
+              <a:t> so the term </a:t>
+            </a:r>
+            <a:r>
+              <a:rPr lang="en-GB" b="1" dirty="0"/>
+              <a:t>kilo </a:t>
+            </a:r>
+            <a:r>
+              <a:rPr lang="en-GB" dirty="0"/>
+              <a:t>indicates </a:t>
+            </a:r>
+            <a:r>
+              <a:rPr lang="en-GB" b="1" dirty="0"/>
+              <a:t>2</a:t>
+            </a:r>
+            <a:r>
+              <a:rPr lang="en-GB" b="1" baseline="30000" dirty="0"/>
+              <a:t>10</a:t>
+            </a:r>
+            <a:endParaRPr lang="en-GB" b="1" dirty="0"/>
+          </a:p>
+          <a:p>
+            <a:pPr lvl="1">
+              <a:spcBef>
+                <a:spcPts val="600"/>
+              </a:spcBef>
+            </a:pPr>
+            <a:r>
+              <a:rPr lang="en-GB" dirty="0"/>
+              <a:t>2</a:t>
             </a:r>
             <a:r>
               <a:rPr lang="en-GB" baseline="30000" dirty="0"/>
@@ -17251,46 +17535,6 @@
             </a:r>
             <a:r>
               <a:rPr lang="en-GB" dirty="0"/>
-              <a:t> = 1024 ≈ 10</a:t>
-            </a:r>
-            <a:r>
-              <a:rPr lang="en-GB" baseline="30000" dirty="0"/>
-              <a:t>3, </a:t>
-            </a:r>
-            <a:r>
-              <a:rPr lang="en-GB" dirty="0"/>
-              <a:t>so, the term </a:t>
-            </a:r>
-            <a:r>
-              <a:rPr lang="en-GB" b="1" dirty="0"/>
-              <a:t>kilo </a:t>
-            </a:r>
-            <a:r>
-              <a:rPr lang="en-GB" dirty="0"/>
-              <a:t>indicates 2</a:t>
-            </a:r>
-            <a:r>
-              <a:rPr lang="en-GB" baseline="30000" dirty="0"/>
-              <a:t>10</a:t>
-            </a:r>
-            <a:endParaRPr lang="en-GB" dirty="0"/>
-          </a:p>
-          <a:p>
-            <a:pPr lvl="1">
-              <a:spcBef>
-                <a:spcPts val="600"/>
-              </a:spcBef>
-            </a:pPr>
-            <a:r>
-              <a:rPr lang="en-GB" dirty="0"/>
-              <a:t>2</a:t>
-            </a:r>
-            <a:r>
-              <a:rPr lang="en-GB" baseline="30000" dirty="0"/>
-              <a:t>10</a:t>
-            </a:r>
-            <a:r>
-              <a:rPr lang="en-GB" dirty="0"/>
               <a:t> bytes is one 1 KB</a:t>
             </a:r>
           </a:p>
@@ -17313,23 +17557,32 @@
             </a:r>
             <a:r>
               <a:rPr lang="en-GB" dirty="0"/>
-              <a:t> (million) indicates 2</a:t>
-            </a:r>
-            <a:r>
-              <a:rPr lang="en-GB" baseline="30000" dirty="0"/>
+              <a:t> (million) indicates </a:t>
+            </a:r>
+            <a:r>
+              <a:rPr lang="en-GB" b="1" dirty="0"/>
+              <a:t>2</a:t>
+            </a:r>
+            <a:r>
+              <a:rPr lang="en-GB" b="1" baseline="30000" dirty="0"/>
               <a:t>20</a:t>
             </a:r>
             <a:r>
-              <a:rPr lang="en-GB" dirty="0"/>
+              <a:rPr lang="en-GB" b="1" dirty="0"/>
               <a:t> ≈ 10</a:t>
             </a:r>
             <a:r>
-              <a:rPr lang="en-GB" baseline="30000" dirty="0"/>
+              <a:rPr lang="en-GB" b="1" baseline="30000" dirty="0"/>
               <a:t>6</a:t>
             </a:r>
-            <a:r>
-              <a:rPr lang="en-GB" dirty="0"/>
-              <a:t>, and </a:t>
+          </a:p>
+          <a:p>
+            <a:endParaRPr lang="en-GB" baseline="30000" dirty="0"/>
+          </a:p>
+          <a:p>
+            <a:r>
+              <a:rPr lang="en-GB" dirty="0"/>
+              <a:t>And </a:t>
             </a:r>
             <a:r>
               <a:rPr lang="en-GB" b="1" dirty="0"/>
@@ -17337,48 +17590,50 @@
             </a:r>
             <a:r>
               <a:rPr lang="en-GB" dirty="0"/>
-              <a:t>(billion) indicates 2</a:t>
-            </a:r>
-            <a:r>
-              <a:rPr lang="en-GB" baseline="30000" dirty="0"/>
+              <a:t>(billion) indicates </a:t>
+            </a:r>
+            <a:r>
+              <a:rPr lang="en-GB" b="1" dirty="0"/>
+              <a:t>2</a:t>
+            </a:r>
+            <a:r>
+              <a:rPr lang="en-GB" b="1" baseline="30000" dirty="0"/>
               <a:t>30</a:t>
             </a:r>
             <a:r>
-              <a:rPr lang="en-GB" dirty="0"/>
+              <a:rPr lang="en-GB" b="1" dirty="0"/>
               <a:t> ≈ 10</a:t>
+            </a:r>
+            <a:r>
+              <a:rPr lang="en-GB" b="1" baseline="30000" dirty="0"/>
+              <a:t>9</a:t>
+            </a:r>
+          </a:p>
+          <a:p>
+            <a:pPr marL="120650" indent="0">
+              <a:buNone/>
+            </a:pPr>
+            <a:r>
+              <a:rPr lang="en-GB" dirty="0"/>
+              <a:t> </a:t>
+            </a:r>
+          </a:p>
+          <a:p>
+            <a:r>
+              <a:rPr lang="en-GB" dirty="0"/>
+              <a:t>Using these approximation and remembering the powers of two up to 2</a:t>
             </a:r>
             <a:r>
               <a:rPr lang="en-GB" baseline="30000" dirty="0"/>
               <a:t>9</a:t>
             </a:r>
-          </a:p>
-          <a:p>
-            <a:pPr marL="120650" indent="0">
-              <a:buNone/>
-            </a:pPr>
-            <a:r>
-              <a:rPr lang="en-GB" dirty="0"/>
-              <a:t> </a:t>
-            </a:r>
-          </a:p>
-          <a:p>
-            <a:pPr marL="120650" indent="0">
-              <a:buNone/>
-            </a:pPr>
-            <a:endParaRPr lang="en-GB" dirty="0"/>
-          </a:p>
-          <a:p>
-            <a:r>
-              <a:rPr lang="en-GB" dirty="0"/>
-              <a:t>Using these approximation and remembering the powers of two up to 2</a:t>
-            </a:r>
-            <a:r>
-              <a:rPr lang="en-GB" baseline="30000" dirty="0"/>
-              <a:t>9</a:t>
-            </a:r>
-            <a:r>
-              <a:rPr lang="en-GB" dirty="0"/>
-              <a:t>, it is easy to estimate any power of two</a:t>
+            <a:r>
+              <a:rPr lang="en-GB" dirty="0"/>
+              <a:t>, it is easy to </a:t>
+            </a:r>
+            <a:r>
+              <a:rPr lang="en-GB" b="1" dirty="0"/>
+              <a:t>estimate any power of two</a:t>
             </a:r>
           </a:p>
           <a:p>
@@ -17414,7 +17669,7 @@
               </a:spcBef>
             </a:pPr>
             <a:r>
-              <a:rPr lang="en-GB" dirty="0"/>
+              <a:rPr lang="en-GB" b="1" dirty="0"/>
               <a:t>split the exponent into a multiple of ten and the remainder</a:t>
             </a:r>
           </a:p>
@@ -17656,7 +17911,15 @@
             </a:pPr>
             <a:r>
               <a:rPr lang="en-GB" dirty="0"/>
-              <a:t>if the result is too big to fit in the available digits</a:t>
+              <a:t>if the result is </a:t>
+            </a:r>
+            <a:r>
+              <a:rPr lang="en-GB" b="1" dirty="0"/>
+              <a:t>too big to fit </a:t>
+            </a:r>
+            <a:r>
+              <a:rPr lang="en-GB" dirty="0"/>
+              <a:t>in the available digits</a:t>
             </a:r>
           </a:p>
           <a:p>
@@ -17801,7 +18064,7 @@
         </p:blipFill>
         <p:spPr>
           <a:xfrm>
-            <a:off x="7227881" y="732483"/>
+            <a:off x="7149355" y="596347"/>
             <a:ext cx="1831895" cy="5665305"/>
           </a:xfrm>
           <a:prstGeom prst="rect">
